--- a/Detekcija i praćenje golf loptice na golf terenu.pptx
+++ b/Detekcija i praćenje golf loptice na golf terenu.pptx
@@ -14,13 +14,17 @@
     <p:sldId id="259" r:id="rId8"/>
     <p:sldId id="261" r:id="rId9"/>
     <p:sldId id="262" r:id="rId10"/>
-    <p:sldId id="271" r:id="rId11"/>
+    <p:sldId id="265" r:id="rId11"/>
     <p:sldId id="263" r:id="rId12"/>
-    <p:sldId id="265" r:id="rId13"/>
+    <p:sldId id="271" r:id="rId13"/>
     <p:sldId id="264" r:id="rId14"/>
-    <p:sldId id="272" r:id="rId15"/>
-    <p:sldId id="270" r:id="rId16"/>
-    <p:sldId id="269" r:id="rId17"/>
+    <p:sldId id="273" r:id="rId15"/>
+    <p:sldId id="274" r:id="rId16"/>
+    <p:sldId id="275" r:id="rId17"/>
+    <p:sldId id="276" r:id="rId18"/>
+    <p:sldId id="277" r:id="rId19"/>
+    <p:sldId id="270" r:id="rId20"/>
+    <p:sldId id="269" r:id="rId21"/>
   </p:sldIdLst>
   <p:sldSz cx="12192000" cy="6858000"/>
   <p:notesSz cx="6858000" cy="9144000"/>
@@ -354,7 +358,7 @@
             <a:fld id="{B61BEF0D-F0BB-DE4B-95CE-6DB70DBA9567}" type="datetimeFigureOut">
               <a:rPr lang="en-US" smtClean="0"/>
               <a:pPr/>
-              <a:t>12/15/2015</a:t>
+              <a:t>2/18/2016</a:t>
             </a:fld>
             <a:endParaRPr lang="en-US" dirty="0"/>
           </a:p>
@@ -564,7 +568,7 @@
             <a:fld id="{B61BEF0D-F0BB-DE4B-95CE-6DB70DBA9567}" type="datetimeFigureOut">
               <a:rPr lang="en-US" smtClean="0"/>
               <a:pPr/>
-              <a:t>12/15/2015</a:t>
+              <a:t>2/18/2016</a:t>
             </a:fld>
             <a:endParaRPr lang="en-US" dirty="0"/>
           </a:p>
@@ -822,7 +826,7 @@
             <a:fld id="{B61BEF0D-F0BB-DE4B-95CE-6DB70DBA9567}" type="datetimeFigureOut">
               <a:rPr lang="en-US" smtClean="0"/>
               <a:pPr/>
-              <a:t>12/15/2015</a:t>
+              <a:t>2/18/2016</a:t>
             </a:fld>
             <a:endParaRPr lang="en-US" dirty="0"/>
           </a:p>
@@ -994,7 +998,7 @@
             <a:fld id="{B61BEF0D-F0BB-DE4B-95CE-6DB70DBA9567}" type="datetimeFigureOut">
               <a:rPr lang="en-US" smtClean="0"/>
               <a:pPr/>
-              <a:t>12/15/2015</a:t>
+              <a:t>2/18/2016</a:t>
             </a:fld>
             <a:endParaRPr lang="en-US" dirty="0"/>
           </a:p>
@@ -1339,7 +1343,7 @@
             <a:fld id="{B61BEF0D-F0BB-DE4B-95CE-6DB70DBA9567}" type="datetimeFigureOut">
               <a:rPr lang="en-US" smtClean="0"/>
               <a:pPr/>
-              <a:t>12/15/2015</a:t>
+              <a:t>2/18/2016</a:t>
             </a:fld>
             <a:endParaRPr lang="en-US" dirty="0"/>
           </a:p>
@@ -1616,7 +1620,7 @@
             <a:fld id="{B61BEF0D-F0BB-DE4B-95CE-6DB70DBA9567}" type="datetimeFigureOut">
               <a:rPr lang="en-US" smtClean="0"/>
               <a:pPr/>
-              <a:t>12/15/2015</a:t>
+              <a:t>2/18/2016</a:t>
             </a:fld>
             <a:endParaRPr lang="en-US" dirty="0"/>
           </a:p>
@@ -1997,7 +2001,7 @@
             <a:fld id="{B61BEF0D-F0BB-DE4B-95CE-6DB70DBA9567}" type="datetimeFigureOut">
               <a:rPr lang="en-US" smtClean="0"/>
               <a:pPr/>
-              <a:t>12/15/2015</a:t>
+              <a:t>2/18/2016</a:t>
             </a:fld>
             <a:endParaRPr lang="en-US" dirty="0"/>
           </a:p>
@@ -2117,7 +2121,7 @@
             <a:fld id="{B61BEF0D-F0BB-DE4B-95CE-6DB70DBA9567}" type="datetimeFigureOut">
               <a:rPr lang="en-US" smtClean="0"/>
               <a:pPr/>
-              <a:t>12/15/2015</a:t>
+              <a:t>2/18/2016</a:t>
             </a:fld>
             <a:endParaRPr lang="en-US" dirty="0"/>
           </a:p>
@@ -2290,7 +2294,7 @@
             <a:fld id="{B61BEF0D-F0BB-DE4B-95CE-6DB70DBA9567}" type="datetimeFigureOut">
               <a:rPr lang="en-US" smtClean="0"/>
               <a:pPr/>
-              <a:t>12/15/2015</a:t>
+              <a:t>2/18/2016</a:t>
             </a:fld>
             <a:endParaRPr lang="en-US" dirty="0"/>
           </a:p>
@@ -2646,7 +2650,7 @@
             <a:fld id="{B61BEF0D-F0BB-DE4B-95CE-6DB70DBA9567}" type="datetimeFigureOut">
               <a:rPr lang="en-US" smtClean="0"/>
               <a:pPr/>
-              <a:t>12/15/2015</a:t>
+              <a:t>2/18/2016</a:t>
             </a:fld>
             <a:endParaRPr lang="en-US" dirty="0"/>
           </a:p>
@@ -3025,7 +3029,7 @@
             <a:fld id="{B61BEF0D-F0BB-DE4B-95CE-6DB70DBA9567}" type="datetimeFigureOut">
               <a:rPr lang="en-US" smtClean="0"/>
               <a:pPr/>
-              <a:t>12/15/2015</a:t>
+              <a:t>2/18/2016</a:t>
             </a:fld>
             <a:endParaRPr lang="en-US" dirty="0"/>
           </a:p>
@@ -3314,7 +3318,7 @@
             <a:fld id="{B61BEF0D-F0BB-DE4B-95CE-6DB70DBA9567}" type="datetimeFigureOut">
               <a:rPr lang="en-US" smtClean="0"/>
               <a:pPr/>
-              <a:t>12/15/2015</a:t>
+              <a:t>2/18/2016</a:t>
             </a:fld>
             <a:endParaRPr lang="en-US" dirty="0"/>
           </a:p>
@@ -4200,104 +4204,75 @@
         </p:nvSpPr>
         <p:spPr/>
         <p:txBody>
-          <a:bodyPr>
-            <a:normAutofit/>
-          </a:bodyPr>
+          <a:bodyPr/>
           <a:lstStyle/>
           <a:p>
             <a:r>
               <a:rPr lang="sr-Latn-RS" b="1" dirty="0"/>
-              <a:t>Detekcija loptice</a:t>
-            </a:r>
-          </a:p>
-          <a:p>
-            <a:r>
-              <a:rPr lang="sr-Latn-RS" dirty="0" smtClean="0"/>
-              <a:t>- </a:t>
+              <a:t>Single scale podešavanje veličine </a:t>
             </a:r>
             <a:r>
               <a:rPr lang="sr-Latn-RS" b="1" dirty="0" smtClean="0"/>
-              <a:t>Circle </a:t>
-            </a:r>
-            <a:r>
-              <a:rPr lang="sr-Latn-RS" b="1" dirty="0"/>
-              <a:t>Hough </a:t>
-            </a:r>
-            <a:r>
-              <a:rPr lang="sr-Latn-RS" b="1" dirty="0" smtClean="0"/>
-              <a:t>transform </a:t>
-            </a:r>
-            <a:r>
-              <a:rPr lang="sr-Latn-RS" dirty="0" smtClean="0"/>
-              <a:t>– prepoznavanje oblika, tj. krugova (loptica)</a:t>
-            </a:r>
-          </a:p>
-          <a:p>
-            <a:r>
-              <a:rPr lang="sr-Latn-RS" dirty="0" smtClean="0"/>
-              <a:t>- Model kružnice opisan je parametrima: </a:t>
-            </a:r>
-          </a:p>
-          <a:p>
-            <a:pPr marL="201168" lvl="1" indent="0">
-              <a:buNone/>
-            </a:pPr>
-            <a:r>
-              <a:rPr lang="sr-Latn-RS" sz="2000" dirty="0"/>
-              <a:t>	</a:t>
-            </a:r>
-            <a:r>
-              <a:rPr lang="sr-Latn-RS" sz="2000" dirty="0" smtClean="0"/>
-              <a:t>- centar(x,y) i poluprečnik (R)</a:t>
-            </a:r>
-          </a:p>
-          <a:p>
-            <a:r>
-              <a:rPr lang="sr-Latn-RS" dirty="0" smtClean="0"/>
-              <a:t>- Hough prostor za detekciju krugova je 3D</a:t>
-            </a:r>
-          </a:p>
-          <a:p>
+              <a:t>loptice</a:t>
+            </a:r>
             <a:r>
               <a:rPr lang="sr-Latn-RS" dirty="0"/>
               <a:t> </a:t>
             </a:r>
             <a:r>
-              <a:rPr lang="sr-Latn-RS" dirty="0" smtClean="0"/>
-              <a:t>  	- Fiksirati R pa svesti problem na 2D</a:t>
-            </a:r>
-          </a:p>
-          <a:p>
-            <a:r>
-              <a:rPr lang="sr-Latn-RS" dirty="0"/>
+              <a:rPr lang="sr-Latn-RS" b="1" dirty="0" smtClean="0"/>
+              <a:t>– drugi korak</a:t>
+            </a:r>
+            <a:endParaRPr lang="sr-Latn-RS" dirty="0" smtClean="0"/>
+          </a:p>
+          <a:p>
+            <a:r>
+              <a:rPr lang="sr-Latn-RS" dirty="0" smtClean="0"/>
+              <a:t> - Podešavanje veličine template-a, npr. preko slider-a</a:t>
+            </a:r>
+          </a:p>
+          <a:p>
+            <a:r>
+              <a:rPr lang="sr-Latn-RS" dirty="0" smtClean="0"/>
+              <a:t> - Praćenje jedne </a:t>
+            </a:r>
+            <a:r>
+              <a:rPr lang="sr-Latn-RS" dirty="0" smtClean="0"/>
+              <a:t>veličine loptice</a:t>
+            </a:r>
+            <a:endParaRPr lang="sr-Latn-RS" dirty="0" smtClean="0"/>
+          </a:p>
+          <a:p>
+            <a:r>
+              <a:rPr lang="sr-Latn-RS" dirty="0" smtClean="0"/>
+              <a:t>- U slučaju praćenja više loptica, ovakvo podešavanje veličine će značiti da se podešava jedna veličina za sve </a:t>
+            </a:r>
+            <a:r>
+              <a:rPr lang="sr-Latn-RS" dirty="0" smtClean="0"/>
+              <a:t>loptice</a:t>
+            </a:r>
+          </a:p>
+          <a:p>
+            <a:pPr marL="0" indent="0">
+              <a:buNone/>
+            </a:pPr>
+            <a:endParaRPr lang="sr-Latn-RS" dirty="0"/>
+          </a:p>
+          <a:p>
+            <a:r>
+              <a:rPr lang="sr-Latn-RS" dirty="0" smtClean="0"/>
               <a:t> </a:t>
             </a:r>
-            <a:r>
-              <a:rPr lang="sr-Latn-RS" dirty="0" smtClean="0"/>
-              <a:t>  	- Kontrolisano mijenjati R u nekom rasponu, pa problem svesti na 2.5D</a:t>
-            </a:r>
-          </a:p>
-          <a:p>
-            <a:pPr marL="0" indent="0">
-              <a:buNone/>
-            </a:pPr>
-            <a:endParaRPr lang="sr-Latn-RS" dirty="0" smtClean="0"/>
-          </a:p>
-          <a:p>
-            <a:endParaRPr lang="sr-Latn-RS" dirty="0" smtClean="0"/>
-          </a:p>
-          <a:p>
-            <a:endParaRPr lang="sr-Latn-RS" dirty="0" smtClean="0"/>
-          </a:p>
-          <a:p>
-            <a:endParaRPr lang="sr-Latn-RS" dirty="0"/>
+            <a:endParaRPr lang="sr-Latn-RS" dirty="0" smtClean="0">
+              <a:sym typeface="Wingdings" panose="05000000000000000000" pitchFamily="2" charset="2"/>
+            </a:endParaRPr>
           </a:p>
         </p:txBody>
       </p:sp>
     </p:spTree>
     <p:extLst>
       <p:ext uri="{BB962C8B-B14F-4D97-AF65-F5344CB8AC3E}">
-        <p14:creationId xmlns:p14="http://schemas.microsoft.com/office/powerpoint/2010/main" val="2523765593"/>
+        <p14:creationId xmlns:p14="http://schemas.microsoft.com/office/powerpoint/2010/main" val="2003984243"/>
       </p:ext>
     </p:extLst>
   </p:cSld>
@@ -4375,7 +4350,7 @@
             </a:r>
             <a:r>
               <a:rPr lang="sr-Latn-RS" b="1" dirty="0" smtClean="0"/>
-              <a:t>loptice</a:t>
+              <a:t>loptice – treći korak</a:t>
             </a:r>
             <a:endParaRPr lang="sr-Latn-RS" dirty="0" smtClean="0"/>
           </a:p>
@@ -4396,7 +4371,47 @@
           <a:p>
             <a:r>
               <a:rPr lang="sr-Latn-RS" dirty="0"/>
-              <a:t> - Tehnika za pronalaženje dijelova slike koje se poklapaju  (su slične) sa </a:t>
+              <a:t> - Tehnika za pronalaženje </a:t>
+            </a:r>
+            <a:r>
+              <a:rPr lang="sr-Latn-RS" dirty="0" smtClean="0"/>
+              <a:t>delova </a:t>
+            </a:r>
+            <a:r>
+              <a:rPr lang="sr-Latn-RS" dirty="0"/>
+              <a:t>slike </a:t>
+            </a:r>
+            <a:r>
+              <a:rPr lang="sr-Latn-RS" dirty="0" smtClean="0"/>
+              <a:t>koj</a:t>
+            </a:r>
+            <a:r>
+              <a:rPr lang="en-US" dirty="0" err="1" smtClean="0"/>
+              <a:t>i</a:t>
+            </a:r>
+            <a:r>
+              <a:rPr lang="sr-Latn-RS" dirty="0" smtClean="0"/>
+              <a:t> </a:t>
+            </a:r>
+            <a:r>
+              <a:rPr lang="sr-Latn-RS" dirty="0"/>
+              <a:t>se poklapaju  (su </a:t>
+            </a:r>
+            <a:r>
+              <a:rPr lang="sr-Latn-RS" dirty="0" smtClean="0"/>
+              <a:t>sličn</a:t>
+            </a:r>
+            <a:r>
+              <a:rPr lang="en-US" dirty="0" err="1" smtClean="0"/>
+              <a:t>i</a:t>
+            </a:r>
+            <a:r>
+              <a:rPr lang="sr-Latn-RS" dirty="0" smtClean="0"/>
+              <a:t>) </a:t>
+            </a:r>
+            <a:r>
+              <a:rPr lang="sr-Latn-RS" dirty="0"/>
+              <a:t>sa </a:t>
             </a:r>
             <a:r>
               <a:rPr lang="sr-Latn-RS" dirty="0" smtClean="0"/>
@@ -4414,42 +4429,38 @@
               <a:t> - </a:t>
             </a:r>
             <a:r>
+              <a:rPr lang="en-US" dirty="0" smtClean="0"/>
+              <a:t>Primer </a:t>
+            </a:r>
+            <a:r>
+              <a:rPr lang="en-US" dirty="0" smtClean="0"/>
+              <a:t>temp</a:t>
+            </a:r>
+            <a:r>
+              <a:rPr lang="sr-Latn-RS" dirty="0" smtClean="0"/>
+              <a:t>late</a:t>
+            </a:r>
+            <a:r>
+              <a:rPr lang="en-US" dirty="0" smtClean="0"/>
+              <a:t> </a:t>
+            </a:r>
+            <a:r>
               <a:rPr lang="en-US" dirty="0" err="1"/>
-              <a:t>Primjer</a:t>
+              <a:t>slike</a:t>
+            </a:r>
+            <a:r>
+              <a:rPr lang="en-US" dirty="0"/>
+              <a:t>, </a:t>
+            </a:r>
+            <a:r>
+              <a:rPr lang="en-US" dirty="0" err="1"/>
+              <a:t>jer</a:t>
             </a:r>
             <a:r>
               <a:rPr lang="en-US" dirty="0"/>
               <a:t> </a:t>
             </a:r>
             <a:r>
-              <a:rPr lang="en-US" dirty="0" smtClean="0"/>
-              <a:t>temp</a:t>
-            </a:r>
-            <a:r>
-              <a:rPr lang="sr-Latn-RS" dirty="0" smtClean="0"/>
-              <a:t>late</a:t>
-            </a:r>
-            <a:r>
-              <a:rPr lang="en-US" dirty="0" smtClean="0"/>
-              <a:t> </a:t>
-            </a:r>
-            <a:r>
-              <a:rPr lang="en-US" dirty="0" err="1"/>
-              <a:t>slike</a:t>
-            </a:r>
-            <a:r>
-              <a:rPr lang="en-US" dirty="0"/>
-              <a:t>, </a:t>
-            </a:r>
-            <a:r>
-              <a:rPr lang="en-US" dirty="0" err="1"/>
-              <a:t>jer</a:t>
-            </a:r>
-            <a:r>
-              <a:rPr lang="en-US" dirty="0"/>
-              <a:t> </a:t>
-            </a:r>
-            <a:r>
               <a:rPr lang="en-US" dirty="0" err="1"/>
               <a:t>tra</a:t>
             </a:r>
@@ -4474,10 +4485,28 @@
           <a:p>
             <a:r>
               <a:rPr lang="sr-Latn-RS" dirty="0"/>
-              <a:t>- Nakon prolaska kroz sliku i nađenog „najboljeg“ pogotka, iscrtavanje pravougaonika oko nađene loptice</a:t>
-            </a:r>
-          </a:p>
-          <a:p>
+              <a:t>- </a:t>
+            </a:r>
+            <a:r>
+              <a:rPr lang="sr-Latn-RS" dirty="0" smtClean="0"/>
+              <a:t>Nađeni </a:t>
+            </a:r>
+            <a:r>
+              <a:rPr lang="sr-Latn-RS" dirty="0"/>
+              <a:t>„</a:t>
+            </a:r>
+            <a:r>
+              <a:rPr lang="sr-Latn-RS" dirty="0" smtClean="0"/>
+              <a:t>najbolji“ pogodak --&gt; </a:t>
+            </a:r>
+            <a:r>
+              <a:rPr lang="sr-Latn-RS" dirty="0"/>
+              <a:t>iscrtavanje </a:t>
+            </a:r>
+            <a:r>
+              <a:rPr lang="sr-Latn-RS" dirty="0" smtClean="0"/>
+              <a:t>regiona od značaja</a:t>
+            </a:r>
             <a:endParaRPr lang="sr-Latn-RS" dirty="0" smtClean="0"/>
           </a:p>
         </p:txBody>
@@ -4505,7 +4534,7 @@
         <p:spPr>
           <a:xfrm>
             <a:off x="5937159" y="3207883"/>
-            <a:ext cx="1047214" cy="984381"/>
+            <a:ext cx="862886" cy="811113"/>
           </a:xfrm>
           <a:prstGeom prst="rect">
             <a:avLst/>
@@ -4582,59 +4611,147 @@
             <p:ph idx="1"/>
           </p:nvPr>
         </p:nvSpPr>
-        <p:spPr/>
-        <p:txBody>
-          <a:bodyPr/>
+        <p:spPr>
+          <a:xfrm>
+            <a:off x="1097280" y="1845733"/>
+            <a:ext cx="10058400" cy="4271731"/>
+          </a:xfrm>
+        </p:spPr>
+        <p:txBody>
+          <a:bodyPr>
+            <a:normAutofit/>
+          </a:bodyPr>
           <a:lstStyle/>
           <a:p>
             <a:r>
               <a:rPr lang="sr-Latn-RS" b="1" dirty="0"/>
-              <a:t>Single scale podešavanje veličine loptice</a:t>
-            </a:r>
+              <a:t>Detekcija </a:t>
+            </a:r>
+            <a:r>
+              <a:rPr lang="sr-Latn-RS" b="1" dirty="0" smtClean="0"/>
+              <a:t>loptice – treći korak </a:t>
+            </a:r>
+          </a:p>
+          <a:p>
             <a:r>
               <a:rPr lang="sr-Latn-RS" dirty="0"/>
-              <a:t> </a:t>
+              <a:t>(Alternativno ili dodatno</a:t>
+            </a:r>
+            <a:r>
+              <a:rPr lang="sr-Latn-RS" dirty="0" smtClean="0"/>
+              <a:t>)</a:t>
+            </a:r>
+            <a:endParaRPr lang="sr-Latn-RS" dirty="0"/>
+          </a:p>
+          <a:p>
+            <a:r>
+              <a:rPr lang="sr-Latn-RS" dirty="0" smtClean="0"/>
+              <a:t>- </a:t>
+            </a:r>
+            <a:r>
+              <a:rPr lang="sr-Latn-RS" b="1" dirty="0" smtClean="0"/>
+              <a:t>Circle </a:t>
+            </a:r>
+            <a:r>
+              <a:rPr lang="sr-Latn-RS" b="1" dirty="0"/>
+              <a:t>Hough </a:t>
+            </a:r>
+            <a:r>
+              <a:rPr lang="sr-Latn-RS" b="1" dirty="0" smtClean="0"/>
+              <a:t>transform </a:t>
+            </a:r>
+            <a:r>
+              <a:rPr lang="sr-Latn-RS" dirty="0" smtClean="0"/>
+              <a:t>– prepoznavanje </a:t>
+            </a:r>
+            <a:r>
+              <a:rPr lang="sr-Latn-RS" dirty="0" smtClean="0"/>
+              <a:t>krugova </a:t>
+            </a:r>
+            <a:r>
+              <a:rPr lang="sr-Latn-RS" dirty="0" smtClean="0"/>
+              <a:t>(</a:t>
+            </a:r>
+            <a:r>
+              <a:rPr lang="sr-Latn-RS" dirty="0" smtClean="0"/>
+              <a:t>loptice)</a:t>
             </a:r>
             <a:endParaRPr lang="sr-Latn-RS" dirty="0" smtClean="0"/>
           </a:p>
           <a:p>
             <a:r>
               <a:rPr lang="sr-Latn-RS" dirty="0" smtClean="0"/>
-              <a:t> - Podešavanje veličine template-a, npr. preko slider-a</a:t>
-            </a:r>
-          </a:p>
-          <a:p>
-            <a:r>
-              <a:rPr lang="sr-Latn-RS" dirty="0" smtClean="0"/>
-              <a:t> - Praćenje jedne </a:t>
-            </a:r>
-            <a:r>
-              <a:rPr lang="sr-Latn-RS" dirty="0" smtClean="0"/>
-              <a:t>loptice</a:t>
-            </a:r>
-          </a:p>
-          <a:p>
-            <a:r>
-              <a:rPr lang="sr-Latn-RS" dirty="0" smtClean="0"/>
-              <a:t>- U slučaju praćenja više loptica, ovakvo podešavanje veličine će značiti da se podešava jedna veličina za sve loptice</a:t>
-            </a:r>
+              <a:t>- Model kružnice opisan je parametrima: </a:t>
+            </a:r>
+          </a:p>
+          <a:p>
+            <a:pPr marL="201168" lvl="1" indent="0">
+              <a:buNone/>
+            </a:pPr>
+            <a:r>
+              <a:rPr lang="sr-Latn-RS" sz="2000" dirty="0"/>
+              <a:t>	</a:t>
+            </a:r>
+            <a:r>
+              <a:rPr lang="sr-Latn-RS" sz="2000" dirty="0" smtClean="0"/>
+              <a:t>- centar(x,y) i poluprečnik (R)</a:t>
+            </a:r>
+          </a:p>
+          <a:p>
+            <a:r>
+              <a:rPr lang="sr-Latn-RS" dirty="0" smtClean="0"/>
+              <a:t>- Hough prostor za detekciju krugova je 3D</a:t>
+            </a:r>
+          </a:p>
+          <a:p>
+            <a:r>
+              <a:rPr lang="sr-Latn-RS" dirty="0"/>
+              <a:t> </a:t>
+            </a:r>
+            <a:r>
+              <a:rPr lang="sr-Latn-RS" dirty="0" smtClean="0"/>
+              <a:t>  	- Fiksirati R pa svesti problem na 2D</a:t>
+            </a:r>
+          </a:p>
+          <a:p>
+            <a:r>
+              <a:rPr lang="sr-Latn-RS" dirty="0"/>
+              <a:t> </a:t>
+            </a:r>
+            <a:r>
+              <a:rPr lang="sr-Latn-RS" dirty="0" smtClean="0"/>
+              <a:t>  	- Kontrolisano </a:t>
+            </a:r>
+            <a:r>
+              <a:rPr lang="sr-Latn-RS" dirty="0" smtClean="0"/>
+              <a:t>menjati </a:t>
+            </a:r>
+            <a:r>
+              <a:rPr lang="sr-Latn-RS" dirty="0" smtClean="0"/>
+              <a:t>R u nekom rasponu, pa problem svesti na 2.5D</a:t>
+            </a:r>
+          </a:p>
+          <a:p>
+            <a:pPr marL="0" indent="0">
+              <a:buNone/>
+            </a:pPr>
+            <a:endParaRPr lang="sr-Latn-RS" dirty="0" smtClean="0"/>
+          </a:p>
+          <a:p>
+            <a:endParaRPr lang="sr-Latn-RS" dirty="0" smtClean="0"/>
+          </a:p>
+          <a:p>
+            <a:endParaRPr lang="sr-Latn-RS" dirty="0" smtClean="0"/>
+          </a:p>
+          <a:p>
             <a:endParaRPr lang="sr-Latn-RS" dirty="0"/>
-          </a:p>
-          <a:p>
-            <a:r>
-              <a:rPr lang="sr-Latn-RS" dirty="0" smtClean="0"/>
-              <a:t> </a:t>
-            </a:r>
-            <a:endParaRPr lang="sr-Latn-RS" dirty="0" smtClean="0">
-              <a:sym typeface="Wingdings" panose="05000000000000000000" pitchFamily="2" charset="2"/>
-            </a:endParaRPr>
           </a:p>
         </p:txBody>
       </p:sp>
     </p:spTree>
     <p:extLst>
       <p:ext uri="{BB962C8B-B14F-4D97-AF65-F5344CB8AC3E}">
-        <p14:creationId xmlns:p14="http://schemas.microsoft.com/office/powerpoint/2010/main" val="2003984243"/>
+        <p14:creationId xmlns:p14="http://schemas.microsoft.com/office/powerpoint/2010/main" val="2523765593"/>
       </p:ext>
     </p:extLst>
   </p:cSld>
@@ -4726,7 +4843,6 @@
               <a:rPr lang="sr-Latn-RS" dirty="0" smtClean="0"/>
               <a:t> </a:t>
             </a:r>
-            <a:endParaRPr lang="sr-Latn-RS" dirty="0" smtClean="0"/>
           </a:p>
           <a:p>
             <a:r>
@@ -4755,11 +4871,7 @@
             </a:r>
             <a:r>
               <a:rPr lang="sr-Latn-RS" dirty="0" smtClean="0"/>
-              <a:t>        - </a:t>
-            </a:r>
-            <a:r>
-              <a:rPr lang="sr-Latn-RS" dirty="0" smtClean="0"/>
-              <a:t>korekcija</a:t>
+              <a:t>        - korekcija</a:t>
             </a:r>
           </a:p>
           <a:p>
@@ -4844,157 +4956,69 @@
           <a:p>
             <a:r>
               <a:rPr lang="sr-Latn-RS" b="1" dirty="0" smtClean="0"/>
-              <a:t>Implementacija rješenja</a:t>
-            </a:r>
+              <a:t>Verifikacija i rezultati</a:t>
+            </a:r>
+            <a:endParaRPr lang="sr-Latn-RS" b="1" dirty="0"/>
+          </a:p>
+        </p:txBody>
+      </p:sp>
+      <p:sp>
+        <p:nvSpPr>
+          <p:cNvPr id="3" name="Content Placeholder 2"/>
+          <p:cNvSpPr>
+            <a:spLocks noGrp="1"/>
+          </p:cNvSpPr>
+          <p:nvPr>
+            <p:ph idx="1"/>
+          </p:nvPr>
+        </p:nvSpPr>
+        <p:spPr/>
+        <p:txBody>
+          <a:bodyPr/>
+          <a:lstStyle/>
+          <a:p>
+            <a:r>
+              <a:rPr lang="sr-Latn-RS" dirty="0" smtClean="0"/>
+              <a:t>- Verifikacija na osnovu video snimaka</a:t>
+            </a:r>
+          </a:p>
+          <a:p>
+            <a:r>
+              <a:rPr lang="sr-Latn-RS" dirty="0"/>
+              <a:t>- Video snimci u kojima su loptica i rupa blizu, bez jakih udaraca i odskakanja </a:t>
+            </a:r>
+            <a:r>
+              <a:rPr lang="sr-Latn-RS" dirty="0" smtClean="0"/>
+              <a:t>loptice</a:t>
+            </a:r>
+          </a:p>
+          <a:p>
+            <a:r>
+              <a:rPr lang="sr-Latn-RS" dirty="0" smtClean="0"/>
+              <a:t>- Video snimci u kojima se pojavljuje igrač</a:t>
+            </a:r>
+          </a:p>
+          <a:p>
+            <a:r>
+              <a:rPr lang="sr-Latn-RS" dirty="0" smtClean="0"/>
+              <a:t>- Vidljiva i „okolina“ koja utiče na pogrešnu detekciju loptice</a:t>
+            </a:r>
+          </a:p>
+          <a:p>
             <a:endParaRPr lang="sr-Latn-RS" dirty="0"/>
-          </a:p>
-        </p:txBody>
-      </p:sp>
-      <p:sp>
-        <p:nvSpPr>
-          <p:cNvPr id="3" name="Content Placeholder 2"/>
-          <p:cNvSpPr>
-            <a:spLocks noGrp="1"/>
-          </p:cNvSpPr>
-          <p:nvPr>
-            <p:ph idx="1"/>
-          </p:nvPr>
-        </p:nvSpPr>
-        <p:spPr/>
-        <p:txBody>
-          <a:bodyPr>
-            <a:normAutofit lnSpcReduction="10000"/>
-          </a:bodyPr>
-          <a:lstStyle/>
-          <a:p>
-            <a:pPr marL="0" indent="0">
-              <a:buNone/>
-            </a:pPr>
-            <a:r>
-              <a:rPr lang="sr-Latn-RS" b="1" dirty="0" smtClean="0"/>
-              <a:t> Planirano</a:t>
-            </a:r>
-            <a:r>
-              <a:rPr lang="sr-Latn-RS" dirty="0" smtClean="0"/>
-              <a:t>: </a:t>
-            </a:r>
-          </a:p>
-          <a:p>
-            <a:pPr marL="0" indent="0">
-              <a:buNone/>
-            </a:pPr>
-            <a:r>
-              <a:rPr lang="sr-Latn-RS" dirty="0" smtClean="0"/>
-              <a:t> - detekcija loptice isprobavanjem i kombinacijom prethodno navedenih tehnika</a:t>
-            </a:r>
-            <a:endParaRPr lang="sr-Latn-RS" dirty="0"/>
-          </a:p>
-          <a:p>
-            <a:pPr marL="0" indent="0">
-              <a:buNone/>
-            </a:pPr>
-            <a:r>
-              <a:rPr lang="sr-Latn-RS" dirty="0" smtClean="0"/>
-              <a:t> - </a:t>
-            </a:r>
-            <a:r>
-              <a:rPr lang="sr-Latn-RS" dirty="0"/>
-              <a:t>trajektorija loptice neće biti kompleksna (video snimci u kojima su loptica i rupa blizu, bez jakih udaraca i odskakanja loptice</a:t>
-            </a:r>
-            <a:r>
-              <a:rPr lang="sr-Latn-RS" dirty="0" smtClean="0"/>
-              <a:t>), uglavnom u zelenom okruženju</a:t>
-            </a:r>
-            <a:endParaRPr lang="sr-Latn-RS" dirty="0"/>
-          </a:p>
-          <a:p>
-            <a:pPr marL="0" indent="0">
-              <a:buNone/>
-            </a:pPr>
-            <a:r>
-              <a:rPr lang="sr-Latn-RS" dirty="0"/>
-              <a:t> </a:t>
-            </a:r>
-            <a:r>
-              <a:rPr lang="sr-Latn-RS" dirty="0" smtClean="0"/>
-              <a:t>- u </a:t>
-            </a:r>
-            <a:r>
-              <a:rPr lang="sr-Latn-RS" dirty="0"/>
-              <a:t>zavisnosti od </a:t>
-            </a:r>
-            <a:r>
-              <a:rPr lang="sr-Latn-RS" dirty="0" smtClean="0"/>
-              <a:t>dobijenih rezultata, praćenje loptice sa kompleksnijim trajektorijama (bounce) i u „šarenijem“ okruženju </a:t>
-            </a:r>
-          </a:p>
-          <a:p>
-            <a:pPr marL="0" indent="0">
-              <a:buNone/>
-            </a:pPr>
-            <a:r>
-              <a:rPr lang="sr-Latn-RS" dirty="0"/>
-              <a:t> </a:t>
-            </a:r>
-            <a:r>
-              <a:rPr lang="sr-Latn-RS" dirty="0" smtClean="0"/>
-              <a:t>- nedoumica - brisanje ili ostavljanje putanje – track-a loptice</a:t>
-            </a:r>
-          </a:p>
-          <a:p>
-            <a:pPr marL="0" indent="0">
-              <a:buNone/>
-            </a:pPr>
-            <a:r>
-              <a:rPr lang="sr-Latn-RS" dirty="0" smtClean="0"/>
-              <a:t> - nedoumica – istovremeno praćenje jedne ili više loptica</a:t>
-            </a:r>
-          </a:p>
-          <a:p>
-            <a:pPr marL="0" indent="0">
-              <a:buNone/>
-            </a:pPr>
-            <a:r>
-              <a:rPr lang="sr-Latn-RS" dirty="0" smtClean="0"/>
-              <a:t> </a:t>
-            </a:r>
-            <a:r>
-              <a:rPr lang="sr-Latn-RS" b="1" dirty="0" smtClean="0"/>
-              <a:t>Verifikacija:</a:t>
-            </a:r>
-          </a:p>
-          <a:p>
-            <a:pPr marL="0" indent="0">
-              <a:buNone/>
-            </a:pPr>
-            <a:r>
-              <a:rPr lang="sr-Latn-RS" dirty="0"/>
-              <a:t> </a:t>
-            </a:r>
-            <a:r>
-              <a:rPr lang="sr-Latn-RS" dirty="0" smtClean="0"/>
-              <a:t>- Video snimci </a:t>
-            </a:r>
           </a:p>
         </p:txBody>
       </p:sp>
     </p:spTree>
     <p:extLst>
       <p:ext uri="{BB962C8B-B14F-4D97-AF65-F5344CB8AC3E}">
-        <p14:creationId xmlns:p14="http://schemas.microsoft.com/office/powerpoint/2010/main" val="1593622872"/>
+        <p14:creationId xmlns:p14="http://schemas.microsoft.com/office/powerpoint/2010/main" val="1761076075"/>
       </p:ext>
     </p:extLst>
   </p:cSld>
   <p:clrMapOvr>
     <a:masterClrMapping/>
   </p:clrMapOvr>
-  <p:timing>
-    <p:tnLst>
-      <p:par>
-        <p:cTn id="1" dur="indefinite" restart="never" nodeType="tmRoot"/>
-      </p:par>
-    </p:tnLst>
-  </p:timing>
 </p:sld>
 </file>
 
@@ -5031,14 +5055,10 @@
           <a:lstStyle/>
           <a:p>
             <a:r>
-              <a:rPr lang="en-US" b="1" dirty="0" smtClean="0"/>
-              <a:t>M</a:t>
-            </a:r>
-            <a:r>
               <a:rPr lang="sr-Latn-RS" b="1" dirty="0" smtClean="0"/>
-              <a:t>oguća proširenja</a:t>
-            </a:r>
-            <a:endParaRPr lang="sr-Latn-RS" dirty="0"/>
+              <a:t>Zaključak</a:t>
+            </a:r>
+            <a:endParaRPr lang="sr-Latn-RS" b="1" dirty="0"/>
           </a:p>
         </p:txBody>
       </p:sp>
@@ -5058,117 +5078,53 @@
           <a:lstStyle/>
           <a:p>
             <a:r>
-              <a:rPr lang="sr-Latn-RS" dirty="0" smtClean="0"/>
-              <a:t>- </a:t>
-            </a:r>
-            <a:r>
-              <a:rPr lang="sr-Latn-RS" dirty="0"/>
-              <a:t>Kalibracija kamere </a:t>
-            </a:r>
-            <a:endParaRPr lang="sr-Latn-RS" dirty="0" smtClean="0"/>
-          </a:p>
-          <a:p>
-            <a:r>
-              <a:rPr lang="sr-Latn-RS" dirty="0" smtClean="0"/>
-              <a:t>- U slučaju korišćenja dvije kamere - sinhronizacija </a:t>
-            </a:r>
-            <a:r>
-              <a:rPr lang="sr-Latn-RS" dirty="0"/>
-              <a:t>stream-ova na računaru </a:t>
-            </a:r>
-            <a:r>
-              <a:rPr lang="sr-Latn-RS" dirty="0" smtClean="0"/>
-              <a:t>(ručno </a:t>
-            </a:r>
-            <a:r>
-              <a:rPr lang="sr-Latn-RS" dirty="0"/>
-              <a:t>ili </a:t>
-            </a:r>
-            <a:r>
-              <a:rPr lang="sr-Latn-RS" dirty="0" smtClean="0"/>
-              <a:t>automatski)</a:t>
-            </a:r>
-            <a:r>
-              <a:rPr lang="sr-Latn-RS" b="1" i="1" dirty="0" smtClean="0"/>
-              <a:t> </a:t>
-            </a:r>
-          </a:p>
-          <a:p>
-            <a:r>
-              <a:rPr lang="sr-Latn-RS" dirty="0"/>
-              <a:t>- Detekcija nečeg što nije loptica </a:t>
-            </a:r>
-            <a:r>
-              <a:rPr lang="sr-Latn-RS" dirty="0">
-                <a:sym typeface="Wingdings" panose="05000000000000000000" pitchFamily="2" charset="2"/>
-              </a:rPr>
-              <a:t> čišćenje „track-a</a:t>
-            </a:r>
-            <a:r>
-              <a:rPr lang="sr-Latn-RS" dirty="0" smtClean="0">
-                <a:sym typeface="Wingdings" panose="05000000000000000000" pitchFamily="2" charset="2"/>
-              </a:rPr>
-              <a:t>“</a:t>
-            </a:r>
-          </a:p>
-          <a:p>
-            <a:r>
-              <a:rPr lang="sr-Latn-RS" dirty="0" smtClean="0">
-                <a:sym typeface="Wingdings" panose="05000000000000000000" pitchFamily="2" charset="2"/>
-              </a:rPr>
-              <a:t>- Korišćenje nestacionarne kamere</a:t>
-            </a:r>
-          </a:p>
-          <a:p>
-            <a:endParaRPr lang="sr-Latn-RS" dirty="0" smtClean="0">
-              <a:sym typeface="Wingdings" panose="05000000000000000000" pitchFamily="2" charset="2"/>
-            </a:endParaRPr>
-          </a:p>
-          <a:p>
-            <a:r>
-              <a:rPr lang="sr-Latn-RS" dirty="0" smtClean="0">
-                <a:sym typeface="Wingdings" panose="05000000000000000000" pitchFamily="2" charset="2"/>
-              </a:rPr>
-              <a:t>Motion-Based Multiple Object Tracking</a:t>
-            </a:r>
-            <a:endParaRPr lang="sr-Latn-RS" dirty="0">
-              <a:sym typeface="Wingdings" panose="05000000000000000000" pitchFamily="2" charset="2"/>
-            </a:endParaRPr>
-          </a:p>
-          <a:p>
-            <a:r>
-              <a:rPr lang="sr-Latn-RS" dirty="0"/>
-              <a:t> - Motion detekcija objekta </a:t>
-            </a:r>
-            <a:r>
-              <a:rPr lang="sr-Latn-RS" dirty="0">
-                <a:sym typeface="Wingdings" panose="05000000000000000000" pitchFamily="2" charset="2"/>
-              </a:rPr>
-              <a:t> detekcija svega što se kreće, ali je odgovarajućeg oblika</a:t>
-            </a:r>
-          </a:p>
-          <a:p>
-            <a:r>
-              <a:rPr lang="sr-Latn-RS" dirty="0">
-                <a:sym typeface="Wingdings" panose="05000000000000000000" pitchFamily="2" charset="2"/>
-              </a:rPr>
-              <a:t> - Praćenje više </a:t>
-            </a:r>
-            <a:r>
-              <a:rPr lang="sr-Latn-RS" dirty="0" smtClean="0">
-                <a:sym typeface="Wingdings" panose="05000000000000000000" pitchFamily="2" charset="2"/>
-              </a:rPr>
-              <a:t>loptica </a:t>
-            </a:r>
-            <a:r>
-              <a:rPr lang="sr-Latn-RS" dirty="0">
-                <a:sym typeface="Wingdings" panose="05000000000000000000" pitchFamily="2" charset="2"/>
-              </a:rPr>
-              <a:t>različitih veličina</a:t>
-            </a:r>
-          </a:p>
-          <a:p>
-            <a:endParaRPr lang="sr-Latn-RS" b="1" i="1" dirty="0"/>
+              <a:rPr lang="sr-Latn-RS" b="1" dirty="0" smtClean="0"/>
+              <a:t>Kratak </a:t>
+            </a:r>
+            <a:r>
+              <a:rPr lang="sr-Latn-RS" b="1" dirty="0"/>
+              <a:t>pregled celokupnog </a:t>
+            </a:r>
+            <a:r>
+              <a:rPr lang="sr-Latn-RS" b="1" dirty="0" smtClean="0"/>
+              <a:t>rada</a:t>
+            </a:r>
+          </a:p>
+          <a:p>
+            <a:r>
+              <a:rPr lang="sr-Latn-RS" dirty="0" smtClean="0"/>
+              <a:t>- Realizacija projekta korišćenjem C# i EMGU CV (OpenCV biblioteka za .NET)</a:t>
+            </a:r>
+          </a:p>
+          <a:p>
+            <a:r>
+              <a:rPr lang="sr-Latn-RS" dirty="0" smtClean="0"/>
+              <a:t>- Učitavanje videa i omogućavanje „šetanja“ kroz video pomoću GUI kontrole</a:t>
+            </a:r>
+          </a:p>
+          <a:p>
+            <a:r>
+              <a:rPr lang="sr-Latn-RS" dirty="0" smtClean="0"/>
+              <a:t>- Moguće je promeniti vrednost za threshold, u slučaju da ima potrebe</a:t>
+            </a:r>
+          </a:p>
+          <a:p>
+            <a:r>
+              <a:rPr lang="sr-Latn-RS" dirty="0" smtClean="0"/>
+              <a:t>- Rezultati sa dosta šuma</a:t>
+            </a:r>
+          </a:p>
+          <a:p>
+            <a:r>
+              <a:rPr lang="sr-Latn-RS" dirty="0" smtClean="0"/>
+              <a:t>- Dosta samostalnog istraživanja</a:t>
+            </a:r>
+          </a:p>
+          <a:p>
+            <a:r>
+              <a:rPr lang="sr-Latn-RS" dirty="0" smtClean="0"/>
+              <a:t>- Zanimljivo</a:t>
+            </a:r>
           </a:p>
           <a:p>
             <a:endParaRPr lang="sr-Latn-RS" dirty="0"/>
@@ -5178,20 +5134,13 @@
     </p:spTree>
     <p:extLst>
       <p:ext uri="{BB962C8B-B14F-4D97-AF65-F5344CB8AC3E}">
-        <p14:creationId xmlns:p14="http://schemas.microsoft.com/office/powerpoint/2010/main" val="1629226076"/>
+        <p14:creationId xmlns:p14="http://schemas.microsoft.com/office/powerpoint/2010/main" val="1135958311"/>
       </p:ext>
     </p:extLst>
   </p:cSld>
   <p:clrMapOvr>
     <a:masterClrMapping/>
   </p:clrMapOvr>
-  <p:timing>
-    <p:tnLst>
-      <p:par>
-        <p:cTn id="1" dur="indefinite" restart="never" nodeType="tmRoot"/>
-      </p:par>
-    </p:tnLst>
-  </p:timing>
 </p:sld>
 </file>
 
@@ -5229,7 +5178,7 @@
           <a:p>
             <a:r>
               <a:rPr lang="sr-Latn-RS" b="1" dirty="0" smtClean="0"/>
-              <a:t>Literatura</a:t>
+              <a:t>Zaključak </a:t>
             </a:r>
             <a:endParaRPr lang="sr-Latn-RS" b="1" dirty="0"/>
           </a:p>
@@ -5245,134 +5194,558 @@
             <p:ph idx="1"/>
           </p:nvPr>
         </p:nvSpPr>
-        <p:spPr>
-          <a:xfrm>
-            <a:off x="1097280" y="1845733"/>
-            <a:ext cx="10058400" cy="4426277"/>
-          </a:xfrm>
-        </p:spPr>
+        <p:spPr/>
         <p:txBody>
           <a:bodyPr>
-            <a:normAutofit fontScale="77500" lnSpcReduction="20000"/>
+            <a:normAutofit lnSpcReduction="10000"/>
           </a:bodyPr>
           <a:lstStyle/>
           <a:p>
             <a:r>
-              <a:rPr lang="sr-Latn-RS" sz="2600" dirty="0" smtClean="0"/>
-              <a:t>- Literatura za predavanja i vježbe iz predmeta Soft kompjuting</a:t>
-            </a:r>
-          </a:p>
-          <a:p>
-            <a:r>
-              <a:rPr lang="sr-Latn-RS" sz="2600" dirty="0">
-                <a:hlinkClick r:id="rId2"/>
-              </a:rPr>
-              <a:t>https://</a:t>
-            </a:r>
-            <a:r>
-              <a:rPr lang="sr-Latn-RS" sz="2600" dirty="0" smtClean="0">
-                <a:hlinkClick r:id="rId2"/>
-              </a:rPr>
-              <a:t>github.com/ftn-ai-lab/sc-2015</a:t>
-            </a:r>
-            <a:endParaRPr lang="sr-Latn-RS" sz="2600" dirty="0" smtClean="0"/>
-          </a:p>
-          <a:p>
-            <a:endParaRPr lang="sr-Latn-RS" sz="2600" dirty="0" smtClean="0"/>
-          </a:p>
-          <a:p>
-            <a:r>
-              <a:rPr lang="sr-Latn-RS" sz="2600" dirty="0" smtClean="0"/>
-              <a:t>- OpenCV dokumentacija</a:t>
-            </a:r>
-          </a:p>
-          <a:p>
-            <a:r>
-              <a:rPr lang="sr-Latn-RS" sz="2600" dirty="0">
-                <a:hlinkClick r:id="rId3"/>
-              </a:rPr>
-              <a:t>http://</a:t>
-            </a:r>
-            <a:r>
-              <a:rPr lang="sr-Latn-RS" sz="2600" dirty="0" smtClean="0">
-                <a:hlinkClick r:id="rId3"/>
-              </a:rPr>
-              <a:t>docs.opencv.org/2.4/doc/tutorials/tutorials.html</a:t>
-            </a:r>
-            <a:endParaRPr lang="sr-Latn-RS" sz="2600" dirty="0"/>
-          </a:p>
-          <a:p>
-            <a:endParaRPr lang="sr-Latn-RS" sz="2600" dirty="0" smtClean="0"/>
-          </a:p>
-          <a:p>
-            <a:r>
-              <a:rPr lang="sr-Latn-RS" sz="2600" dirty="0" smtClean="0"/>
+              <a:rPr lang="sr-Latn-RS" b="1" dirty="0" smtClean="0"/>
+              <a:t>Neki od problema prilikom realizacije projekta</a:t>
+            </a:r>
+          </a:p>
+          <a:p>
+            <a:r>
+              <a:rPr lang="sr-Latn-RS" b="1" dirty="0" smtClean="0"/>
+              <a:t>Problem 1</a:t>
+            </a:r>
+          </a:p>
+          <a:p>
+            <a:r>
+              <a:rPr lang="sr-Latn-RS" dirty="0" smtClean="0"/>
               <a:t>- </a:t>
             </a:r>
             <a:r>
-              <a:rPr lang="en-US" sz="2600" dirty="0"/>
-              <a:t>Automatic Golf Ball Trajectory Reconstruction and Visualization </a:t>
-            </a:r>
-            <a:endParaRPr lang="sr-Latn-RS" sz="2600" dirty="0" smtClean="0"/>
-          </a:p>
-          <a:p>
-            <a:r>
-              <a:rPr lang="sr-Latn-RS" sz="2600" dirty="0" smtClean="0">
-                <a:hlinkClick r:id="rId4"/>
-              </a:rPr>
-              <a:t>http</a:t>
-            </a:r>
-            <a:r>
-              <a:rPr lang="sr-Latn-RS" sz="2600" dirty="0">
-                <a:hlinkClick r:id="rId4"/>
-              </a:rPr>
-              <a:t>://</a:t>
-            </a:r>
-            <a:r>
-              <a:rPr lang="sr-Latn-RS" sz="2600" dirty="0" smtClean="0">
-                <a:hlinkClick r:id="rId4"/>
-              </a:rPr>
-              <a:t>eprints.fri.uni-lj.si/944/1/paper136.pdf</a:t>
-            </a:r>
-            <a:endParaRPr lang="sr-Latn-RS" sz="2600" dirty="0" smtClean="0"/>
-          </a:p>
-          <a:p>
-            <a:endParaRPr lang="sr-Latn-RS" sz="2600" dirty="0" smtClean="0"/>
-          </a:p>
-          <a:p>
-            <a:r>
-              <a:rPr lang="sr-Latn-RS" sz="2600" dirty="0" smtClean="0"/>
-              <a:t>- Monocular Golf Ball Tracking and Size Estimation</a:t>
-            </a:r>
-            <a:endParaRPr lang="sr-Latn-RS" sz="2600" dirty="0"/>
-          </a:p>
-          <a:p>
-            <a:r>
-              <a:rPr lang="sr-Latn-RS" sz="2600" dirty="0">
-                <a:hlinkClick r:id="rId5"/>
-              </a:rPr>
-              <a:t>http://</a:t>
-            </a:r>
-            <a:r>
-              <a:rPr lang="sr-Latn-RS" sz="2600" dirty="0" smtClean="0">
-                <a:hlinkClick r:id="rId5"/>
-              </a:rPr>
-              <a:t>kth.diva-portal.org/smash/get/diva2:766088/FULLTEXT01.pdf</a:t>
-            </a:r>
-            <a:endParaRPr lang="sr-Latn-RS" sz="2600" dirty="0" smtClean="0"/>
-          </a:p>
-          <a:p>
-            <a:endParaRPr lang="sr-Latn-RS" dirty="0" smtClean="0"/>
+              <a:rPr lang="sr-Latn-RS" dirty="0"/>
+              <a:t>Velike izmene u odnosu na raniju </a:t>
+            </a:r>
+            <a:r>
+              <a:rPr lang="sr-Latn-RS" dirty="0" smtClean="0"/>
+              <a:t>verziju EMGU CV-a, </a:t>
+            </a:r>
+            <a:r>
+              <a:rPr lang="sr-Latn-RS" dirty="0"/>
+              <a:t>slabo </a:t>
+            </a:r>
+            <a:r>
+              <a:rPr lang="sr-Latn-RS" dirty="0" smtClean="0"/>
+              <a:t>dokumentovano</a:t>
+            </a:r>
           </a:p>
           <a:p>
             <a:endParaRPr lang="sr-Latn-RS" dirty="0"/>
+          </a:p>
+          <a:p>
+            <a:r>
+              <a:rPr lang="sr-Latn-RS" b="1" dirty="0" smtClean="0"/>
+              <a:t>Problem 2</a:t>
+            </a:r>
+          </a:p>
+          <a:p>
+            <a:r>
+              <a:rPr lang="sr-Latn-RS" dirty="0" smtClean="0"/>
+              <a:t>- Video snimci sa mnoštvom loptica koje stoje, korner </a:t>
+            </a:r>
+            <a:r>
+              <a:rPr lang="sr-Latn-RS" dirty="0"/>
+              <a:t>zastavica bele boje, prepoznata kao jedna ili više </a:t>
+            </a:r>
+            <a:r>
+              <a:rPr lang="sr-Latn-RS" dirty="0" smtClean="0"/>
+              <a:t>loptica</a:t>
+            </a:r>
+          </a:p>
+          <a:p>
+            <a:r>
+              <a:rPr lang="sr-Latn-RS" b="1" dirty="0" smtClean="0"/>
+              <a:t>Rešenje: </a:t>
+            </a:r>
+            <a:r>
+              <a:rPr lang="sr-Latn-RS" dirty="0" smtClean="0"/>
+              <a:t>Loptice detektovane u frejmu označiti kao hipoteze, analiza hipoteza iz prethodnih 5 frejmova i dodavanje u listu gdje su stvarne pozicije loptica; </a:t>
+            </a:r>
+          </a:p>
+          <a:p>
+            <a:r>
+              <a:rPr lang="sr-Latn-RS" dirty="0"/>
+              <a:t>I</a:t>
+            </a:r>
+            <a:r>
+              <a:rPr lang="sr-Latn-RS" dirty="0" smtClean="0"/>
+              <a:t> dalje neke pogrešne hipoteze budu prepoznate kao loptica</a:t>
+            </a:r>
           </a:p>
         </p:txBody>
       </p:sp>
     </p:spTree>
     <p:extLst>
       <p:ext uri="{BB962C8B-B14F-4D97-AF65-F5344CB8AC3E}">
-        <p14:creationId xmlns:p14="http://schemas.microsoft.com/office/powerpoint/2010/main" val="1972486368"/>
+        <p14:creationId xmlns:p14="http://schemas.microsoft.com/office/powerpoint/2010/main" val="553356179"/>
+      </p:ext>
+    </p:extLst>
+  </p:cSld>
+  <p:clrMapOvr>
+    <a:masterClrMapping/>
+  </p:clrMapOvr>
+</p:sld>
+</file>
+
+<file path=ppt/slides/slide17.xml><?xml version="1.0" encoding="utf-8"?>
+<p:sld xmlns:a="http://schemas.openxmlformats.org/drawingml/2006/main" xmlns:r="http://schemas.openxmlformats.org/officeDocument/2006/relationships" xmlns:p="http://schemas.openxmlformats.org/presentationml/2006/main">
+  <p:cSld>
+    <p:spTree>
+      <p:nvGrpSpPr>
+        <p:cNvPr id="1" name=""/>
+        <p:cNvGrpSpPr/>
+        <p:nvPr/>
+      </p:nvGrpSpPr>
+      <p:grpSpPr>
+        <a:xfrm>
+          <a:off x="0" y="0"/>
+          <a:ext cx="0" cy="0"/>
+          <a:chOff x="0" y="0"/>
+          <a:chExt cx="0" cy="0"/>
+        </a:xfrm>
+      </p:grpSpPr>
+      <p:sp>
+        <p:nvSpPr>
+          <p:cNvPr id="2" name="Title 1"/>
+          <p:cNvSpPr>
+            <a:spLocks noGrp="1"/>
+          </p:cNvSpPr>
+          <p:nvPr>
+            <p:ph type="title"/>
+          </p:nvPr>
+        </p:nvSpPr>
+        <p:spPr/>
+        <p:txBody>
+          <a:bodyPr/>
+          <a:lstStyle/>
+          <a:p>
+            <a:r>
+              <a:rPr lang="sr-Latn-RS" b="1" dirty="0"/>
+              <a:t>Zaključak</a:t>
+            </a:r>
+            <a:endParaRPr lang="sr-Latn-RS" dirty="0"/>
+          </a:p>
+        </p:txBody>
+      </p:sp>
+      <p:sp>
+        <p:nvSpPr>
+          <p:cNvPr id="3" name="Content Placeholder 2"/>
+          <p:cNvSpPr>
+            <a:spLocks noGrp="1"/>
+          </p:cNvSpPr>
+          <p:nvPr>
+            <p:ph idx="1"/>
+          </p:nvPr>
+        </p:nvSpPr>
+        <p:spPr/>
+        <p:txBody>
+          <a:bodyPr/>
+          <a:lstStyle/>
+          <a:p>
+            <a:r>
+              <a:rPr lang="sr-Latn-RS" b="1" dirty="0" smtClean="0"/>
+              <a:t>Problem 3</a:t>
+            </a:r>
+          </a:p>
+          <a:p>
+            <a:r>
+              <a:rPr lang="sr-Latn-RS" dirty="0" smtClean="0"/>
+              <a:t>- Kvalitet videa utiče na to da se često pojavljuje šum (detektovanje loptice gdje ih nema)</a:t>
+            </a:r>
+          </a:p>
+          <a:p>
+            <a:endParaRPr lang="sr-Latn-RS" dirty="0"/>
+          </a:p>
+          <a:p>
+            <a:r>
+              <a:rPr lang="sr-Latn-RS" b="1" dirty="0" smtClean="0"/>
+              <a:t>Problem 4</a:t>
+            </a:r>
+          </a:p>
+          <a:p>
+            <a:r>
+              <a:rPr lang="sr-Latn-RS" dirty="0" smtClean="0"/>
+              <a:t>- Primeri kretanja loptice koja se udaljava, pa veličina template-a nije odgovarajuća</a:t>
+            </a:r>
+          </a:p>
+          <a:p>
+            <a:r>
+              <a:rPr lang="sr-Latn-RS" b="1" dirty="0" smtClean="0"/>
+              <a:t>Rešenje: </a:t>
+            </a:r>
+            <a:r>
+              <a:rPr lang="sr-Latn-RS" dirty="0" smtClean="0"/>
+              <a:t>Ručna intervencija (promena veličine template-a) </a:t>
+            </a:r>
+            <a:endParaRPr lang="sr-Latn-RS" dirty="0"/>
+          </a:p>
+        </p:txBody>
+      </p:sp>
+    </p:spTree>
+    <p:extLst>
+      <p:ext uri="{BB962C8B-B14F-4D97-AF65-F5344CB8AC3E}">
+        <p14:creationId xmlns:p14="http://schemas.microsoft.com/office/powerpoint/2010/main" val="1264152813"/>
+      </p:ext>
+    </p:extLst>
+  </p:cSld>
+  <p:clrMapOvr>
+    <a:masterClrMapping/>
+  </p:clrMapOvr>
+</p:sld>
+</file>
+
+<file path=ppt/slides/slide18.xml><?xml version="1.0" encoding="utf-8"?>
+<p:sld xmlns:a="http://schemas.openxmlformats.org/drawingml/2006/main" xmlns:r="http://schemas.openxmlformats.org/officeDocument/2006/relationships" xmlns:p="http://schemas.openxmlformats.org/presentationml/2006/main">
+  <p:cSld>
+    <p:spTree>
+      <p:nvGrpSpPr>
+        <p:cNvPr id="1" name=""/>
+        <p:cNvGrpSpPr/>
+        <p:nvPr/>
+      </p:nvGrpSpPr>
+      <p:grpSpPr>
+        <a:xfrm>
+          <a:off x="0" y="0"/>
+          <a:ext cx="0" cy="0"/>
+          <a:chOff x="0" y="0"/>
+          <a:chExt cx="0" cy="0"/>
+        </a:xfrm>
+      </p:grpSpPr>
+      <p:sp>
+        <p:nvSpPr>
+          <p:cNvPr id="2" name="Title 1"/>
+          <p:cNvSpPr>
+            <a:spLocks noGrp="1"/>
+          </p:cNvSpPr>
+          <p:nvPr>
+            <p:ph type="title"/>
+          </p:nvPr>
+        </p:nvSpPr>
+        <p:spPr/>
+        <p:txBody>
+          <a:bodyPr/>
+          <a:lstStyle/>
+          <a:p>
+            <a:r>
+              <a:rPr lang="sr-Latn-RS" b="1" dirty="0" smtClean="0"/>
+              <a:t>Zaključak</a:t>
+            </a:r>
+            <a:endParaRPr lang="sr-Latn-RS" b="1" dirty="0"/>
+          </a:p>
+        </p:txBody>
+      </p:sp>
+      <p:sp>
+        <p:nvSpPr>
+          <p:cNvPr id="3" name="Content Placeholder 2"/>
+          <p:cNvSpPr>
+            <a:spLocks noGrp="1"/>
+          </p:cNvSpPr>
+          <p:nvPr>
+            <p:ph idx="1"/>
+          </p:nvPr>
+        </p:nvSpPr>
+        <p:spPr/>
+        <p:txBody>
+          <a:bodyPr/>
+          <a:lstStyle/>
+          <a:p>
+            <a:r>
+              <a:rPr lang="sr-Latn-RS" b="1" dirty="0" smtClean="0"/>
+              <a:t>Problem 5</a:t>
+            </a:r>
+          </a:p>
+          <a:p>
+            <a:r>
+              <a:rPr lang="sr-Latn-RS" dirty="0" smtClean="0"/>
+              <a:t>Kamera u pokretu </a:t>
+            </a:r>
+          </a:p>
+          <a:p>
+            <a:r>
+              <a:rPr lang="sr-Latn-RS" b="1" dirty="0" smtClean="0"/>
+              <a:t>Rešenje: </a:t>
+            </a:r>
+            <a:r>
+              <a:rPr lang="sr-Latn-RS" dirty="0" smtClean="0"/>
+              <a:t>Ručna intervencija</a:t>
+            </a:r>
+          </a:p>
+          <a:p>
+            <a:r>
+              <a:rPr lang="sr-Latn-RS" dirty="0" smtClean="0"/>
+              <a:t>- Start tracking kada video postane</a:t>
+            </a:r>
+          </a:p>
+          <a:p>
+            <a:r>
+              <a:rPr lang="sr-Latn-RS" dirty="0" smtClean="0"/>
+              <a:t>stacionaran</a:t>
+            </a:r>
+          </a:p>
+          <a:p>
+            <a:r>
+              <a:rPr lang="sr-Latn-RS" dirty="0" smtClean="0"/>
+              <a:t>-  Clear all tracks </a:t>
+            </a:r>
+          </a:p>
+        </p:txBody>
+      </p:sp>
+      <p:pic>
+        <p:nvPicPr>
+          <p:cNvPr id="4" name="Picture 3"/>
+          <p:cNvPicPr>
+            <a:picLocks noChangeAspect="1"/>
+          </p:cNvPicPr>
+          <p:nvPr/>
+        </p:nvPicPr>
+        <p:blipFill>
+          <a:blip r:embed="rId2">
+            <a:extLst>
+              <a:ext uri="{28A0092B-C50C-407E-A947-70E740481C1C}">
+                <a14:useLocalDpi xmlns:a14="http://schemas.microsoft.com/office/drawing/2010/main" val="0"/>
+              </a:ext>
+            </a:extLst>
+          </a:blip>
+          <a:stretch>
+            <a:fillRect/>
+          </a:stretch>
+        </p:blipFill>
+        <p:spPr>
+          <a:xfrm>
+            <a:off x="5130910" y="1737360"/>
+            <a:ext cx="6947066" cy="4000417"/>
+          </a:xfrm>
+          <a:prstGeom prst="rect">
+            <a:avLst/>
+          </a:prstGeom>
+        </p:spPr>
+      </p:pic>
+    </p:spTree>
+    <p:extLst>
+      <p:ext uri="{BB962C8B-B14F-4D97-AF65-F5344CB8AC3E}">
+        <p14:creationId xmlns:p14="http://schemas.microsoft.com/office/powerpoint/2010/main" val="1966124840"/>
+      </p:ext>
+    </p:extLst>
+  </p:cSld>
+  <p:clrMapOvr>
+    <a:masterClrMapping/>
+  </p:clrMapOvr>
+</p:sld>
+</file>
+
+<file path=ppt/slides/slide19.xml><?xml version="1.0" encoding="utf-8"?>
+<p:sld xmlns:a="http://schemas.openxmlformats.org/drawingml/2006/main" xmlns:r="http://schemas.openxmlformats.org/officeDocument/2006/relationships" xmlns:p="http://schemas.openxmlformats.org/presentationml/2006/main">
+  <p:cSld>
+    <p:spTree>
+      <p:nvGrpSpPr>
+        <p:cNvPr id="1" name=""/>
+        <p:cNvGrpSpPr/>
+        <p:nvPr/>
+      </p:nvGrpSpPr>
+      <p:grpSpPr>
+        <a:xfrm>
+          <a:off x="0" y="0"/>
+          <a:ext cx="0" cy="0"/>
+          <a:chOff x="0" y="0"/>
+          <a:chExt cx="0" cy="0"/>
+        </a:xfrm>
+      </p:grpSpPr>
+      <p:sp>
+        <p:nvSpPr>
+          <p:cNvPr id="2" name="Title 1"/>
+          <p:cNvSpPr>
+            <a:spLocks noGrp="1"/>
+          </p:cNvSpPr>
+          <p:nvPr>
+            <p:ph type="title"/>
+          </p:nvPr>
+        </p:nvSpPr>
+        <p:spPr/>
+        <p:txBody>
+          <a:bodyPr/>
+          <a:lstStyle/>
+          <a:p>
+            <a:r>
+              <a:rPr lang="en-US" b="1" dirty="0" smtClean="0"/>
+              <a:t>M</a:t>
+            </a:r>
+            <a:r>
+              <a:rPr lang="sr-Latn-RS" b="1" dirty="0" smtClean="0"/>
+              <a:t>oguća </a:t>
+            </a:r>
+            <a:r>
+              <a:rPr lang="sr-Latn-RS" b="1" dirty="0" smtClean="0"/>
+              <a:t>proširenja i dalji rad</a:t>
+            </a:r>
+            <a:endParaRPr lang="sr-Latn-RS" dirty="0"/>
+          </a:p>
+        </p:txBody>
+      </p:sp>
+      <p:sp>
+        <p:nvSpPr>
+          <p:cNvPr id="3" name="Content Placeholder 2"/>
+          <p:cNvSpPr>
+            <a:spLocks noGrp="1"/>
+          </p:cNvSpPr>
+          <p:nvPr>
+            <p:ph idx="1"/>
+          </p:nvPr>
+        </p:nvSpPr>
+        <p:spPr/>
+        <p:txBody>
+          <a:bodyPr/>
+          <a:lstStyle/>
+          <a:p>
+            <a:r>
+              <a:rPr lang="sr-Latn-RS" dirty="0" smtClean="0"/>
+              <a:t>- Isprobati i druge tehnike koje bi poboljšale postojeće rešenje</a:t>
+            </a:r>
+          </a:p>
+          <a:p>
+            <a:r>
+              <a:rPr lang="sr-Latn-RS" dirty="0" smtClean="0"/>
+              <a:t>- </a:t>
+            </a:r>
+            <a:r>
+              <a:rPr lang="sr-Latn-RS" dirty="0"/>
+              <a:t>Kalibracija kamere </a:t>
+            </a:r>
+            <a:endParaRPr lang="sr-Latn-RS" dirty="0" smtClean="0"/>
+          </a:p>
+          <a:p>
+            <a:r>
+              <a:rPr lang="sr-Latn-RS" dirty="0" smtClean="0"/>
+              <a:t>- U slučaju korišćenja </a:t>
+            </a:r>
+            <a:r>
+              <a:rPr lang="sr-Latn-RS" dirty="0" smtClean="0"/>
+              <a:t>dve </a:t>
+            </a:r>
+            <a:r>
+              <a:rPr lang="sr-Latn-RS" dirty="0" smtClean="0"/>
+              <a:t>kamere - sinhronizacija </a:t>
+            </a:r>
+            <a:r>
+              <a:rPr lang="sr-Latn-RS" dirty="0"/>
+              <a:t>stream-ova na računaru </a:t>
+            </a:r>
+            <a:r>
+              <a:rPr lang="sr-Latn-RS" dirty="0" smtClean="0"/>
+              <a:t>(ručno </a:t>
+            </a:r>
+            <a:r>
+              <a:rPr lang="sr-Latn-RS" dirty="0"/>
+              <a:t>ili </a:t>
+            </a:r>
+            <a:r>
+              <a:rPr lang="sr-Latn-RS" dirty="0" smtClean="0"/>
+              <a:t>automatski)</a:t>
+            </a:r>
+            <a:r>
+              <a:rPr lang="sr-Latn-RS" b="1" i="1" dirty="0" smtClean="0"/>
+              <a:t> </a:t>
+            </a:r>
+          </a:p>
+          <a:p>
+            <a:r>
+              <a:rPr lang="sr-Latn-RS" dirty="0"/>
+              <a:t>- Detekcija nečeg što nije loptica </a:t>
+            </a:r>
+            <a:r>
+              <a:rPr lang="sr-Latn-RS" dirty="0">
+                <a:sym typeface="Wingdings" panose="05000000000000000000" pitchFamily="2" charset="2"/>
+              </a:rPr>
+              <a:t> čišćenje „track-a</a:t>
+            </a:r>
+            <a:r>
+              <a:rPr lang="sr-Latn-RS" dirty="0" smtClean="0">
+                <a:sym typeface="Wingdings" panose="05000000000000000000" pitchFamily="2" charset="2"/>
+              </a:rPr>
+              <a:t>“</a:t>
+            </a:r>
+          </a:p>
+          <a:p>
+            <a:r>
+              <a:rPr lang="sr-Latn-RS" dirty="0" smtClean="0">
+                <a:sym typeface="Wingdings" panose="05000000000000000000" pitchFamily="2" charset="2"/>
+              </a:rPr>
+              <a:t>- Korišćenje nestacionarne kamere</a:t>
+            </a:r>
+          </a:p>
+          <a:p>
+            <a:endParaRPr lang="sr-Latn-RS" dirty="0" smtClean="0">
+              <a:sym typeface="Wingdings" panose="05000000000000000000" pitchFamily="2" charset="2"/>
+            </a:endParaRPr>
+          </a:p>
+          <a:p>
+            <a:r>
+              <a:rPr lang="sr-Latn-RS" dirty="0" smtClean="0">
+                <a:sym typeface="Wingdings" panose="05000000000000000000" pitchFamily="2" charset="2"/>
+              </a:rPr>
+              <a:t>Motion-Based Multiple Object Tracking</a:t>
+            </a:r>
+            <a:endParaRPr lang="sr-Latn-RS" dirty="0">
+              <a:sym typeface="Wingdings" panose="05000000000000000000" pitchFamily="2" charset="2"/>
+            </a:endParaRPr>
+          </a:p>
+          <a:p>
+            <a:r>
+              <a:rPr lang="sr-Latn-RS" dirty="0"/>
+              <a:t> - Motion detekcija objekta </a:t>
+            </a:r>
+            <a:r>
+              <a:rPr lang="sr-Latn-RS" dirty="0">
+                <a:sym typeface="Wingdings" panose="05000000000000000000" pitchFamily="2" charset="2"/>
+              </a:rPr>
+              <a:t> detekcija svega što se kreće, ali je odgovarajućeg oblika</a:t>
+            </a:r>
+          </a:p>
+          <a:p>
+            <a:r>
+              <a:rPr lang="sr-Latn-RS" dirty="0">
+                <a:sym typeface="Wingdings" panose="05000000000000000000" pitchFamily="2" charset="2"/>
+              </a:rPr>
+              <a:t> - Praćenje više </a:t>
+            </a:r>
+            <a:r>
+              <a:rPr lang="sr-Latn-RS" dirty="0" smtClean="0">
+                <a:sym typeface="Wingdings" panose="05000000000000000000" pitchFamily="2" charset="2"/>
+              </a:rPr>
+              <a:t>loptica </a:t>
+            </a:r>
+            <a:r>
+              <a:rPr lang="sr-Latn-RS" dirty="0">
+                <a:sym typeface="Wingdings" panose="05000000000000000000" pitchFamily="2" charset="2"/>
+              </a:rPr>
+              <a:t>različitih </a:t>
+            </a:r>
+            <a:r>
+              <a:rPr lang="sr-Latn-RS" dirty="0" smtClean="0">
+                <a:sym typeface="Wingdings" panose="05000000000000000000" pitchFamily="2" charset="2"/>
+              </a:rPr>
+              <a:t>veličina, svaka trajektorija različite boje</a:t>
+            </a:r>
+            <a:endParaRPr lang="sr-Latn-RS" dirty="0">
+              <a:sym typeface="Wingdings" panose="05000000000000000000" pitchFamily="2" charset="2"/>
+            </a:endParaRPr>
+          </a:p>
+          <a:p>
+            <a:endParaRPr lang="sr-Latn-RS" b="1" i="1" dirty="0"/>
+          </a:p>
+          <a:p>
+            <a:endParaRPr lang="sr-Latn-RS" dirty="0"/>
+          </a:p>
+        </p:txBody>
+      </p:sp>
+    </p:spTree>
+    <p:extLst>
+      <p:ext uri="{BB962C8B-B14F-4D97-AF65-F5344CB8AC3E}">
+        <p14:creationId xmlns:p14="http://schemas.microsoft.com/office/powerpoint/2010/main" val="1629226076"/>
       </p:ext>
     </p:extLst>
   </p:cSld>
@@ -5446,7 +5819,18 @@
           <a:p>
             <a:r>
               <a:rPr lang="sr-Latn-RS" dirty="0" smtClean="0"/>
-              <a:t>- Implementirati </a:t>
+              <a:t>- Domen problema: sport</a:t>
+            </a:r>
+            <a:endParaRPr lang="sr-Latn-RS" dirty="0" smtClean="0"/>
+          </a:p>
+          <a:p>
+            <a:r>
+              <a:rPr lang="sr-Latn-RS" dirty="0" smtClean="0"/>
+              <a:t>- </a:t>
+            </a:r>
+            <a:r>
+              <a:rPr lang="sr-Latn-RS" dirty="0" smtClean="0"/>
+              <a:t>Implementirati </a:t>
             </a:r>
             <a:r>
               <a:rPr lang="sr-Latn-RS" dirty="0"/>
@@ -5628,6 +6012,223 @@
 </p:sld>
 </file>
 
+<file path=ppt/slides/slide20.xml><?xml version="1.0" encoding="utf-8"?>
+<p:sld xmlns:a="http://schemas.openxmlformats.org/drawingml/2006/main" xmlns:r="http://schemas.openxmlformats.org/officeDocument/2006/relationships" xmlns:p="http://schemas.openxmlformats.org/presentationml/2006/main">
+  <p:cSld>
+    <p:spTree>
+      <p:nvGrpSpPr>
+        <p:cNvPr id="1" name=""/>
+        <p:cNvGrpSpPr/>
+        <p:nvPr/>
+      </p:nvGrpSpPr>
+      <p:grpSpPr>
+        <a:xfrm>
+          <a:off x="0" y="0"/>
+          <a:ext cx="0" cy="0"/>
+          <a:chOff x="0" y="0"/>
+          <a:chExt cx="0" cy="0"/>
+        </a:xfrm>
+      </p:grpSpPr>
+      <p:sp>
+        <p:nvSpPr>
+          <p:cNvPr id="2" name="Title 1"/>
+          <p:cNvSpPr>
+            <a:spLocks noGrp="1"/>
+          </p:cNvSpPr>
+          <p:nvPr>
+            <p:ph type="title"/>
+          </p:nvPr>
+        </p:nvSpPr>
+        <p:spPr/>
+        <p:txBody>
+          <a:bodyPr/>
+          <a:lstStyle/>
+          <a:p>
+            <a:r>
+              <a:rPr lang="sr-Latn-RS" b="1" dirty="0" smtClean="0"/>
+              <a:t>Literatura</a:t>
+            </a:r>
+            <a:endParaRPr lang="sr-Latn-RS" b="1" dirty="0"/>
+          </a:p>
+        </p:txBody>
+      </p:sp>
+      <p:sp>
+        <p:nvSpPr>
+          <p:cNvPr id="3" name="Content Placeholder 2"/>
+          <p:cNvSpPr>
+            <a:spLocks noGrp="1"/>
+          </p:cNvSpPr>
+          <p:nvPr>
+            <p:ph idx="1"/>
+          </p:nvPr>
+        </p:nvSpPr>
+        <p:spPr>
+          <a:xfrm>
+            <a:off x="1097280" y="1845733"/>
+            <a:ext cx="10058400" cy="4426277"/>
+          </a:xfrm>
+        </p:spPr>
+        <p:txBody>
+          <a:bodyPr>
+            <a:normAutofit fontScale="70000" lnSpcReduction="20000"/>
+          </a:bodyPr>
+          <a:lstStyle/>
+          <a:p>
+            <a:r>
+              <a:rPr lang="sr-Latn-RS" sz="2600" dirty="0" smtClean="0"/>
+              <a:t>- Literatura za predavanja i vježbe iz predmeta Soft kompjuting</a:t>
+            </a:r>
+          </a:p>
+          <a:p>
+            <a:r>
+              <a:rPr lang="sr-Latn-RS" sz="2600" dirty="0">
+                <a:hlinkClick r:id="rId2"/>
+              </a:rPr>
+              <a:t>https://</a:t>
+            </a:r>
+            <a:r>
+              <a:rPr lang="sr-Latn-RS" sz="2600" dirty="0" smtClean="0">
+                <a:hlinkClick r:id="rId2"/>
+              </a:rPr>
+              <a:t>github.com/ftn-ai-lab/sc-2015</a:t>
+            </a:r>
+            <a:endParaRPr lang="sr-Latn-RS" sz="2600" dirty="0" smtClean="0"/>
+          </a:p>
+          <a:p>
+            <a:endParaRPr lang="sr-Latn-RS" sz="2600" dirty="0" smtClean="0"/>
+          </a:p>
+          <a:p>
+            <a:r>
+              <a:rPr lang="sr-Latn-RS" sz="2600" dirty="0" smtClean="0"/>
+              <a:t>- </a:t>
+            </a:r>
+            <a:r>
+              <a:rPr lang="sr-Latn-RS" sz="2600" dirty="0" smtClean="0"/>
+              <a:t>OpenCV, EMGU CV </a:t>
+            </a:r>
+            <a:r>
+              <a:rPr lang="sr-Latn-RS" sz="2600" dirty="0" smtClean="0"/>
+              <a:t>dokumentacija</a:t>
+            </a:r>
+          </a:p>
+          <a:p>
+            <a:r>
+              <a:rPr lang="sr-Latn-RS" sz="2600" dirty="0">
+                <a:hlinkClick r:id="rId3"/>
+              </a:rPr>
+              <a:t>http://</a:t>
+            </a:r>
+            <a:r>
+              <a:rPr lang="sr-Latn-RS" sz="2600" dirty="0" smtClean="0">
+                <a:hlinkClick r:id="rId3"/>
+              </a:rPr>
+              <a:t>docs.opencv.org/2.4/doc/tutorials/tutorials.html</a:t>
+            </a:r>
+            <a:endParaRPr lang="sr-Latn-RS" sz="2600" dirty="0" smtClean="0"/>
+          </a:p>
+          <a:p>
+            <a:r>
+              <a:rPr lang="sr-Latn-RS" sz="2600" dirty="0">
+                <a:hlinkClick r:id="rId4"/>
+              </a:rPr>
+              <a:t>http://</a:t>
+            </a:r>
+            <a:r>
+              <a:rPr lang="sr-Latn-RS" sz="2600" dirty="0" smtClean="0">
+                <a:hlinkClick r:id="rId4"/>
+              </a:rPr>
+              <a:t>emgu.com/wiki/index.php/Main_Page</a:t>
+            </a:r>
+            <a:endParaRPr lang="sr-Latn-RS" sz="2600" dirty="0"/>
+          </a:p>
+          <a:p>
+            <a:endParaRPr lang="sr-Latn-RS" sz="2600" dirty="0" smtClean="0"/>
+          </a:p>
+          <a:p>
+            <a:r>
+              <a:rPr lang="sr-Latn-RS" sz="2600" dirty="0" smtClean="0"/>
+              <a:t>- </a:t>
+            </a:r>
+            <a:r>
+              <a:rPr lang="en-US" sz="2600" dirty="0"/>
+              <a:t>Automatic Golf Ball Trajectory Reconstruction and Visualization </a:t>
+            </a:r>
+            <a:endParaRPr lang="sr-Latn-RS" sz="2600" dirty="0" smtClean="0"/>
+          </a:p>
+          <a:p>
+            <a:r>
+              <a:rPr lang="sr-Latn-RS" sz="2600" dirty="0" smtClean="0">
+                <a:hlinkClick r:id="rId5"/>
+              </a:rPr>
+              <a:t>http</a:t>
+            </a:r>
+            <a:r>
+              <a:rPr lang="sr-Latn-RS" sz="2600" dirty="0">
+                <a:hlinkClick r:id="rId5"/>
+              </a:rPr>
+              <a:t>://</a:t>
+            </a:r>
+            <a:r>
+              <a:rPr lang="sr-Latn-RS" sz="2600" dirty="0" smtClean="0">
+                <a:hlinkClick r:id="rId5"/>
+              </a:rPr>
+              <a:t>eprints.fri.uni-lj.si/944/1/paper136.pdf</a:t>
+            </a:r>
+            <a:endParaRPr lang="sr-Latn-RS" sz="2600" dirty="0" smtClean="0"/>
+          </a:p>
+          <a:p>
+            <a:endParaRPr lang="sr-Latn-RS" sz="2600" dirty="0" smtClean="0"/>
+          </a:p>
+          <a:p>
+            <a:r>
+              <a:rPr lang="sr-Latn-RS" sz="2600" dirty="0" smtClean="0"/>
+              <a:t>- Monocular Golf Ball Tracking and Size Estimation</a:t>
+            </a:r>
+            <a:endParaRPr lang="sr-Latn-RS" sz="2600" dirty="0"/>
+          </a:p>
+          <a:p>
+            <a:r>
+              <a:rPr lang="sr-Latn-RS" sz="2600" dirty="0">
+                <a:hlinkClick r:id="rId6"/>
+              </a:rPr>
+              <a:t>http://</a:t>
+            </a:r>
+            <a:r>
+              <a:rPr lang="sr-Latn-RS" sz="2600" dirty="0" smtClean="0">
+                <a:hlinkClick r:id="rId6"/>
+              </a:rPr>
+              <a:t>kth.diva-portal.org/smash/get/diva2:766088/FULLTEXT01.pdf</a:t>
+            </a:r>
+            <a:endParaRPr lang="sr-Latn-RS" sz="2600" dirty="0" smtClean="0"/>
+          </a:p>
+          <a:p>
+            <a:endParaRPr lang="sr-Latn-RS" dirty="0" smtClean="0"/>
+          </a:p>
+          <a:p>
+            <a:endParaRPr lang="sr-Latn-RS" dirty="0"/>
+          </a:p>
+        </p:txBody>
+      </p:sp>
+    </p:spTree>
+    <p:extLst>
+      <p:ext uri="{BB962C8B-B14F-4D97-AF65-F5344CB8AC3E}">
+        <p14:creationId xmlns:p14="http://schemas.microsoft.com/office/powerpoint/2010/main" val="1972486368"/>
+      </p:ext>
+    </p:extLst>
+  </p:cSld>
+  <p:clrMapOvr>
+    <a:masterClrMapping/>
+  </p:clrMapOvr>
+  <p:timing>
+    <p:tnLst>
+      <p:par>
+        <p:cTn id="1" dur="indefinite" restart="never" nodeType="tmRoot"/>
+      </p:par>
+    </p:tnLst>
+  </p:timing>
+</p:sld>
+</file>
+
 <file path=ppt/slides/slide3.xml><?xml version="1.0" encoding="utf-8"?>
 <p:sld xmlns:a="http://schemas.openxmlformats.org/drawingml/2006/main" xmlns:r="http://schemas.openxmlformats.org/officeDocument/2006/relationships" xmlns:p="http://schemas.openxmlformats.org/presentationml/2006/main">
   <p:cSld>
@@ -5714,29 +6315,13 @@
           <a:p>
             <a:r>
               <a:rPr lang="sr-Latn-RS" dirty="0" smtClean="0"/>
-              <a:t>- </a:t>
-            </a:r>
-            <a:r>
-              <a:rPr lang="sr-Latn-RS" dirty="0" smtClean="0"/>
-              <a:t>Teren, </a:t>
-            </a:r>
-            <a:r>
-              <a:rPr lang="sr-Latn-RS" dirty="0" smtClean="0"/>
-              <a:t>vremenski uslovi, </a:t>
-            </a:r>
-            <a:r>
-              <a:rPr lang="sr-Latn-RS" dirty="0" smtClean="0"/>
-              <a:t>udaljenost,</a:t>
-            </a:r>
-          </a:p>
-          <a:p>
-            <a:r>
-              <a:rPr lang="sr-Latn-RS" dirty="0" smtClean="0"/>
-              <a:t> taktika </a:t>
-            </a:r>
-            <a:r>
-              <a:rPr lang="sr-Latn-RS" dirty="0" smtClean="0"/>
-              <a:t>– svaki udarac je drugačiji</a:t>
+              <a:t>- Teren, vremenski uslovi, udaljenost,</a:t>
+            </a:r>
+          </a:p>
+          <a:p>
+            <a:r>
+              <a:rPr lang="sr-Latn-RS" dirty="0" smtClean="0"/>
+              <a:t> taktika – svaki udarac je drugačiji</a:t>
             </a:r>
           </a:p>
           <a:p>
@@ -5752,7 +6337,7 @@
       </p:sp>
       <p:pic>
         <p:nvPicPr>
-          <p:cNvPr id="4" name="Picture 3"/>
+          <p:cNvPr id="5" name="Picture 4"/>
           <p:cNvPicPr>
             <a:picLocks noChangeAspect="1"/>
           </p:cNvPicPr>
@@ -5772,14 +6357,234 @@
         </p:blipFill>
         <p:spPr>
           <a:xfrm>
-            <a:off x="5031325" y="3593206"/>
-            <a:ext cx="6622767" cy="2141117"/>
+            <a:off x="5337436" y="3470757"/>
+            <a:ext cx="6642919" cy="1878520"/>
           </a:xfrm>
           <a:prstGeom prst="rect">
             <a:avLst/>
           </a:prstGeom>
         </p:spPr>
       </p:pic>
+      <p:sp>
+        <p:nvSpPr>
+          <p:cNvPr id="6" name="Title 1"/>
+          <p:cNvSpPr txBox="1">
+            <a:spLocks/>
+          </p:cNvSpPr>
+          <p:nvPr/>
+        </p:nvSpPr>
+        <p:spPr>
+          <a:xfrm>
+            <a:off x="5868473" y="5105786"/>
+            <a:ext cx="5962918" cy="486981"/>
+          </a:xfrm>
+          <a:prstGeom prst="rect">
+            <a:avLst/>
+          </a:prstGeom>
+        </p:spPr>
+        <p:txBody>
+          <a:bodyPr vert="horz" lIns="91440" tIns="45720" rIns="91440" bIns="45720" rtlCol="0" anchor="b">
+            <a:normAutofit/>
+          </a:bodyPr>
+          <a:lstStyle>
+            <a:lvl1pPr algn="l" defTabSz="914400" rtl="0" eaLnBrk="1" latinLnBrk="0" hangingPunct="1">
+              <a:lnSpc>
+                <a:spcPct val="85000"/>
+              </a:lnSpc>
+              <a:spcBef>
+                <a:spcPct val="0"/>
+              </a:spcBef>
+              <a:buNone/>
+              <a:defRPr sz="4800" kern="1200" spc="-50" baseline="0">
+                <a:solidFill>
+                  <a:schemeClr val="tx1">
+                    <a:lumMod val="75000"/>
+                    <a:lumOff val="25000"/>
+                  </a:schemeClr>
+                </a:solidFill>
+                <a:latin typeface="+mj-lt"/>
+                <a:ea typeface="+mj-ea"/>
+                <a:cs typeface="+mj-cs"/>
+              </a:defRPr>
+            </a:lvl1pPr>
+          </a:lstStyle>
+          <a:p>
+            <a:r>
+              <a:rPr lang="en-US" sz="2000" dirty="0" err="1" smtClean="0">
+                <a:solidFill>
+                  <a:schemeClr val="tx1">
+                    <a:lumMod val="85000"/>
+                    <a:lumOff val="15000"/>
+                  </a:schemeClr>
+                </a:solidFill>
+              </a:rPr>
+              <a:t>Primeri</a:t>
+            </a:r>
+            <a:r>
+              <a:rPr lang="en-US" sz="2000" dirty="0" smtClean="0">
+                <a:solidFill>
+                  <a:schemeClr val="tx1">
+                    <a:lumMod val="85000"/>
+                    <a:lumOff val="15000"/>
+                  </a:schemeClr>
+                </a:solidFill>
+              </a:rPr>
+              <a:t> </a:t>
+            </a:r>
+            <a:r>
+              <a:rPr lang="en-US" sz="2000" dirty="0" err="1" smtClean="0">
+                <a:solidFill>
+                  <a:schemeClr val="tx1">
+                    <a:lumMod val="85000"/>
+                    <a:lumOff val="15000"/>
+                  </a:schemeClr>
+                </a:solidFill>
+              </a:rPr>
+              <a:t>trajektorija</a:t>
+            </a:r>
+            <a:r>
+              <a:rPr lang="en-US" sz="2000" dirty="0" smtClean="0">
+                <a:solidFill>
+                  <a:schemeClr val="tx1">
+                    <a:lumMod val="85000"/>
+                    <a:lumOff val="15000"/>
+                  </a:schemeClr>
+                </a:solidFill>
+              </a:rPr>
+              <a:t> </a:t>
+            </a:r>
+            <a:r>
+              <a:rPr lang="en-US" sz="2000" dirty="0" err="1" smtClean="0">
+                <a:solidFill>
+                  <a:schemeClr val="tx1">
+                    <a:lumMod val="85000"/>
+                    <a:lumOff val="15000"/>
+                  </a:schemeClr>
+                </a:solidFill>
+              </a:rPr>
+              <a:t>kada</a:t>
+            </a:r>
+            <a:r>
+              <a:rPr lang="en-US" sz="2000" dirty="0" smtClean="0">
+                <a:solidFill>
+                  <a:schemeClr val="tx1">
+                    <a:lumMod val="85000"/>
+                    <a:lumOff val="15000"/>
+                  </a:schemeClr>
+                </a:solidFill>
+              </a:rPr>
+              <a:t> </a:t>
+            </a:r>
+            <a:r>
+              <a:rPr lang="en-US" sz="2000" dirty="0" err="1" smtClean="0">
+                <a:solidFill>
+                  <a:schemeClr val="tx1">
+                    <a:lumMod val="85000"/>
+                    <a:lumOff val="15000"/>
+                  </a:schemeClr>
+                </a:solidFill>
+              </a:rPr>
+              <a:t>loptica</a:t>
+            </a:r>
+            <a:r>
+              <a:rPr lang="en-US" sz="2000" dirty="0" smtClean="0">
+                <a:solidFill>
+                  <a:schemeClr val="tx1">
+                    <a:lumMod val="85000"/>
+                    <a:lumOff val="15000"/>
+                  </a:schemeClr>
+                </a:solidFill>
+              </a:rPr>
+              <a:t> </a:t>
+            </a:r>
+            <a:r>
+              <a:rPr lang="en-US" sz="2000" dirty="0" err="1" smtClean="0">
+                <a:solidFill>
+                  <a:schemeClr val="tx1">
+                    <a:lumMod val="85000"/>
+                    <a:lumOff val="15000"/>
+                  </a:schemeClr>
+                </a:solidFill>
+              </a:rPr>
+              <a:t>leti</a:t>
+            </a:r>
+            <a:r>
+              <a:rPr lang="en-US" sz="2000" dirty="0" smtClean="0">
+                <a:solidFill>
+                  <a:schemeClr val="tx1">
+                    <a:lumMod val="85000"/>
+                    <a:lumOff val="15000"/>
+                  </a:schemeClr>
+                </a:solidFill>
+              </a:rPr>
+              <a:t> </a:t>
+            </a:r>
+            <a:r>
+              <a:rPr lang="en-US" sz="2000" dirty="0" err="1" smtClean="0">
+                <a:solidFill>
+                  <a:schemeClr val="tx1">
+                    <a:lumMod val="85000"/>
+                    <a:lumOff val="15000"/>
+                  </a:schemeClr>
+                </a:solidFill>
+              </a:rPr>
+              <a:t>kroz</a:t>
+            </a:r>
+            <a:r>
+              <a:rPr lang="en-US" sz="2000" dirty="0" smtClean="0">
+                <a:solidFill>
+                  <a:schemeClr val="tx1">
+                    <a:lumMod val="85000"/>
+                    <a:lumOff val="15000"/>
+                  </a:schemeClr>
+                </a:solidFill>
+              </a:rPr>
+              <a:t> </a:t>
+            </a:r>
+            <a:r>
+              <a:rPr lang="en-US" sz="2000" dirty="0" err="1" smtClean="0">
+                <a:solidFill>
+                  <a:schemeClr val="tx1">
+                    <a:lumMod val="85000"/>
+                    <a:lumOff val="15000"/>
+                  </a:schemeClr>
+                </a:solidFill>
+              </a:rPr>
+              <a:t>vazduh</a:t>
+            </a:r>
+            <a:r>
+              <a:rPr lang="en-US" sz="2000" dirty="0" smtClean="0">
+                <a:solidFill>
+                  <a:schemeClr val="tx1">
+                    <a:lumMod val="85000"/>
+                    <a:lumOff val="15000"/>
+                  </a:schemeClr>
+                </a:solidFill>
+              </a:rPr>
+              <a:t> </a:t>
+            </a:r>
+            <a:r>
+              <a:rPr lang="sr-Latn-RS" sz="2000" dirty="0" smtClean="0">
+                <a:solidFill>
+                  <a:schemeClr val="tx1">
+                    <a:lumMod val="85000"/>
+                    <a:lumOff val="15000"/>
+                  </a:schemeClr>
+                </a:solidFill>
+              </a:rPr>
+              <a:t>i odskače</a:t>
+            </a:r>
+            <a:endParaRPr lang="sr-Latn-RS" sz="2000" dirty="0">
+              <a:solidFill>
+                <a:schemeClr val="tx1">
+                  <a:lumMod val="85000"/>
+                  <a:lumOff val="15000"/>
+                </a:schemeClr>
+              </a:solidFill>
+            </a:endParaRPr>
+          </a:p>
+        </p:txBody>
+      </p:sp>
     </p:spTree>
     <p:extLst>
       <p:ext uri="{BB962C8B-B14F-4D97-AF65-F5344CB8AC3E}">
@@ -5865,7 +6670,13 @@
               <a:rPr lang="sr-Latn-RS" sz="2200" dirty="0" smtClean="0">
                 <a:latin typeface="+mn-lt"/>
               </a:rPr>
-              <a:t>- Vremenski uslovi – npr. osvjetljenje</a:t>
+              <a:t>- Vremenski uslovi – npr. </a:t>
+            </a:r>
+            <a:r>
+              <a:rPr lang="sr-Latn-RS" sz="2200" dirty="0" smtClean="0">
+                <a:latin typeface="+mn-lt"/>
+              </a:rPr>
+              <a:t>osvetljenje</a:t>
             </a:r>
             <a:r>
               <a:rPr lang="sr-Latn-RS" sz="2000" dirty="0" smtClean="0"/>
@@ -6108,11 +6919,7 @@
             </a:r>
             <a:r>
               <a:rPr lang="sr-Latn-RS" sz="2200" b="1" dirty="0" smtClean="0"/>
-              <a:t>Analiza </a:t>
-            </a:r>
-            <a:r>
-              <a:rPr lang="sr-Latn-RS" sz="2200" b="1" dirty="0" smtClean="0"/>
-              <a:t>videa </a:t>
+              <a:t>Analiza videa </a:t>
             </a:r>
           </a:p>
           <a:p>
@@ -6154,8 +6961,9 @@
             </a:r>
             <a:r>
               <a:rPr lang="sr-Latn-RS" sz="2200" dirty="0" smtClean="0"/>
-              <a:t>vještine</a:t>
-            </a:r>
+              <a:t>veštine</a:t>
+            </a:r>
+            <a:endParaRPr lang="sr-Latn-RS" sz="2200" dirty="0" smtClean="0"/>
           </a:p>
           <a:p>
             <a:pPr marL="0" indent="0">
@@ -6191,7 +6999,15 @@
             </a:pPr>
             <a:r>
               <a:rPr lang="sr-Latn-RS" sz="2200" dirty="0"/>
-              <a:t> - Odnos cijene i dobijenih </a:t>
+              <a:t> - Odnos </a:t>
+            </a:r>
+            <a:r>
+              <a:rPr lang="sr-Latn-RS" sz="2200" dirty="0" smtClean="0"/>
+              <a:t>cene </a:t>
+            </a:r>
+            <a:r>
+              <a:rPr lang="sr-Latn-RS" sz="2200" dirty="0"/>
+              <a:t>i dobijenih </a:t>
             </a:r>
             <a:r>
               <a:rPr lang="sr-Latn-RS" sz="2200" dirty="0" smtClean="0"/>
@@ -6204,9 +7020,16 @@
             </a:pPr>
             <a:r>
               <a:rPr lang="sr-Latn-RS" sz="2200" dirty="0" smtClean="0"/>
-              <a:t> - Ima smisla za velike klubove, na takmičenjima kao pomoć u procjenama, davanje statistika</a:t>
-            </a:r>
-            <a:endParaRPr lang="sr-Latn-RS" sz="2200" dirty="0" smtClean="0"/>
+              <a:t> - Ima smisla za velike klubove, na takmičenjima kao pomoć u </a:t>
+            </a:r>
+            <a:r>
+              <a:rPr lang="sr-Latn-RS" sz="2200" dirty="0" smtClean="0"/>
+              <a:t>procenama</a:t>
+            </a:r>
+            <a:r>
+              <a:rPr lang="sr-Latn-RS" sz="2200" dirty="0" smtClean="0"/>
+              <a:t>, davanje statistika</a:t>
+            </a:r>
           </a:p>
           <a:p>
             <a:pPr marL="0" indent="0">
@@ -6220,11 +7043,15 @@
             </a:pPr>
             <a:r>
               <a:rPr lang="sr-Latn-RS" sz="2200" b="1" dirty="0" smtClean="0"/>
-              <a:t> Slična </a:t>
+              <a:t> </a:t>
+            </a:r>
+            <a:r>
+              <a:rPr lang="sr-Latn-RS" sz="2200" b="1" dirty="0" smtClean="0"/>
+              <a:t>Slični primeri </a:t>
             </a:r>
             <a:r>
               <a:rPr lang="sr-Latn-RS" sz="2200" b="1" dirty="0"/>
-              <a:t>primjeri detekcije i praćenja</a:t>
+              <a:t>detekcije i praćenja</a:t>
             </a:r>
           </a:p>
           <a:p>
@@ -6234,11 +7061,7 @@
             </a:r>
             <a:r>
               <a:rPr lang="sr-Latn-RS" sz="2200" dirty="0" smtClean="0"/>
-              <a:t>tenisu (Hawk-Eye), u </a:t>
-            </a:r>
-            <a:r>
-              <a:rPr lang="sr-Latn-RS" sz="2200" dirty="0" smtClean="0"/>
-              <a:t>fudbalu i drugim sportovima</a:t>
+              <a:t>tenisu (Hawk-Eye), u fudbalu i drugim sportovima</a:t>
             </a:r>
             <a:endParaRPr lang="sr-Latn-RS" sz="2200" dirty="0"/>
           </a:p>
@@ -6310,11 +7133,15 @@
           <a:p>
             <a:r>
               <a:rPr lang="sr-Latn-RS" b="1" dirty="0" smtClean="0"/>
-              <a:t>Primjer komercijalnog </a:t>
-            </a:r>
-            <a:r>
-              <a:rPr lang="sr-Latn-RS" b="1" dirty="0"/>
-              <a:t>rješenja</a:t>
+              <a:t>Primer </a:t>
+            </a:r>
+            <a:r>
+              <a:rPr lang="sr-Latn-RS" b="1" dirty="0" smtClean="0"/>
+              <a:t>komercijalnog </a:t>
+            </a:r>
+            <a:r>
+              <a:rPr lang="sr-Latn-RS" b="1" dirty="0" smtClean="0"/>
+              <a:t>rešenja</a:t>
             </a:r>
             <a:endParaRPr lang="sr-Latn-RS" dirty="0"/>
           </a:p>
@@ -6436,7 +7263,11 @@
           <a:p>
             <a:r>
               <a:rPr lang="sr-Latn-RS" b="1" dirty="0" smtClean="0"/>
-              <a:t>Slična rješenja</a:t>
+              <a:t>Slična </a:t>
+            </a:r>
+            <a:r>
+              <a:rPr lang="sr-Latn-RS" b="1" dirty="0" smtClean="0"/>
+              <a:t>rešenja</a:t>
             </a:r>
             <a:endParaRPr lang="sr-Latn-RS" dirty="0"/>
           </a:p>
@@ -6485,16 +7316,11 @@
               <a:rPr lang="sr-Latn-RS" dirty="0" smtClean="0"/>
               <a:t>kompleksnijom trajektorijom </a:t>
             </a:r>
-            <a:endParaRPr lang="sr-Latn-RS" dirty="0" smtClean="0"/>
-          </a:p>
-          <a:p>
-            <a:r>
-              <a:rPr lang="sr-Latn-RS" dirty="0" smtClean="0"/>
-              <a:t>- </a:t>
-            </a:r>
-            <a:r>
-              <a:rPr lang="sr-Latn-RS" dirty="0" smtClean="0"/>
-              <a:t>Rekonstrukcija 3D trajektorije, odbijanje loptice i njeno kretanje po podlozi (</a:t>
+          </a:p>
+          <a:p>
+            <a:r>
+              <a:rPr lang="sr-Latn-RS" dirty="0" smtClean="0"/>
+              <a:t>- Rekonstrukcija 3D trajektorije, odbijanje loptice i njeno kretanje po podlozi (</a:t>
             </a:r>
             <a:r>
               <a:rPr lang="sr-Latn-RS" i="1" dirty="0" smtClean="0"/>
@@ -6551,12 +7377,16 @@
               <a:t> </a:t>
             </a:r>
             <a:r>
-              <a:rPr lang="en-US" dirty="0" err="1"/>
-              <a:t>gdje</a:t>
+              <a:rPr lang="en-US" dirty="0" err="1" smtClean="0"/>
+              <a:t>gde</a:t>
+            </a:r>
+            <a:r>
+              <a:rPr lang="en-US" dirty="0" smtClean="0"/>
+              <a:t> </a:t>
             </a:r>
             <a:r>
               <a:rPr lang="en-US" dirty="0"/>
-              <a:t> se ne </a:t>
+              <a:t>se ne </a:t>
             </a:r>
             <a:r>
               <a:rPr lang="en-US" dirty="0" err="1"/>
@@ -6718,7 +7548,6 @@
               <a:rPr lang="sr-Latn-RS" dirty="0" smtClean="0"/>
               <a:t>kamere </a:t>
             </a:r>
-            <a:endParaRPr lang="sr-Latn-RS" dirty="0" smtClean="0"/>
           </a:p>
           <a:p>
             <a:r>
@@ -6733,24 +7562,11 @@
               <a:rPr lang="sr-Latn-RS" dirty="0" smtClean="0"/>
               <a:t>stacionarne kamere</a:t>
             </a:r>
-            <a:endParaRPr lang="sr-Latn-RS" dirty="0" smtClean="0"/>
-          </a:p>
-          <a:p>
-            <a:r>
-              <a:rPr lang="sr-Latn-RS" dirty="0" smtClean="0"/>
-              <a:t> - </a:t>
-            </a:r>
-            <a:r>
-              <a:rPr lang="sr-Latn-RS" dirty="0" smtClean="0"/>
-              <a:t>Izdvajaju se i a</a:t>
-            </a:r>
-            <a:r>
-              <a:rPr lang="sr-Latn-RS" dirty="0" smtClean="0"/>
-              <a:t>naliziraju u</a:t>
-            </a:r>
-            <a:r>
-              <a:rPr lang="sr-Latn-RS" dirty="0" smtClean="0"/>
-              <a:t>zastopni frejmovi</a:t>
+          </a:p>
+          <a:p>
+            <a:r>
+              <a:rPr lang="sr-Latn-RS" dirty="0" smtClean="0"/>
+              <a:t> - Izdvajaju se i analiziraju uzastopni frejmovi</a:t>
             </a:r>
             <a:endParaRPr lang="sr-Latn-RS" dirty="0"/>
           </a:p>
@@ -6832,7 +7648,12 @@
             <p:ph idx="1"/>
           </p:nvPr>
         </p:nvSpPr>
-        <p:spPr/>
+        <p:spPr>
+          <a:xfrm>
+            <a:off x="1097280" y="1845733"/>
+            <a:ext cx="10058400" cy="4297489"/>
+          </a:xfrm>
+        </p:spPr>
         <p:txBody>
           <a:bodyPr>
             <a:normAutofit/>
@@ -6841,8 +7662,44 @@
           <a:p>
             <a:r>
               <a:rPr lang="sr-Latn-RS" b="1" dirty="0" smtClean="0"/>
-              <a:t>Detekcija loptice</a:t>
-            </a:r>
+              <a:t>Detekcija </a:t>
+            </a:r>
+            <a:r>
+              <a:rPr lang="sr-Latn-RS" b="1" dirty="0" smtClean="0"/>
+              <a:t>loptice – prvi korak</a:t>
+            </a:r>
+            <a:endParaRPr lang="sr-Latn-RS" b="1" dirty="0" smtClean="0"/>
+          </a:p>
+          <a:p>
+            <a:r>
+              <a:rPr lang="sr-Latn-RS" dirty="0"/>
+              <a:t>- </a:t>
+            </a:r>
+            <a:r>
+              <a:rPr lang="sr-Latn-RS" b="1" dirty="0"/>
+              <a:t>Color segmentation </a:t>
+            </a:r>
+            <a:endParaRPr lang="sr-Latn-RS" dirty="0"/>
+          </a:p>
+          <a:p>
+            <a:r>
+              <a:rPr lang="sr-Latn-RS" dirty="0"/>
+              <a:t> - U najjednostavnijem slučaju – thresholding, izdvajanje bele loptice na zelenoj </a:t>
+            </a:r>
+            <a:r>
+              <a:rPr lang="sr-Latn-RS" dirty="0" smtClean="0"/>
+              <a:t>travi</a:t>
+            </a:r>
+          </a:p>
+          <a:p>
+            <a:endParaRPr lang="sr-Latn-RS" dirty="0"/>
+          </a:p>
+          <a:p>
+            <a:r>
+              <a:rPr lang="sr-Latn-RS" dirty="0" smtClean="0"/>
+              <a:t>(Alternativno ili dodatno)</a:t>
+            </a:r>
+            <a:endParaRPr lang="sr-Latn-RS" dirty="0" smtClean="0"/>
           </a:p>
           <a:p>
             <a:r>
@@ -6855,17 +7712,29 @@
             </a:r>
             <a:r>
               <a:rPr lang="sr-Latn-RS" dirty="0" smtClean="0"/>
-              <a:t>– razlika uzastopnih frejmova će ukazati na piksele koji su se promijenili</a:t>
-            </a:r>
-          </a:p>
-          <a:p>
-            <a:r>
-              <a:rPr lang="sr-Latn-RS" dirty="0"/>
+              <a:t>– razlika uzastopnih frejmova </a:t>
+            </a:r>
+          </a:p>
+          <a:p>
+            <a:r>
+              <a:rPr lang="sr-Latn-RS" dirty="0" smtClean="0"/>
               <a:t> </a:t>
             </a:r>
             <a:r>
               <a:rPr lang="sr-Latn-RS" dirty="0" smtClean="0"/>
-              <a:t>- Ako je pozadina bila statička, promijenjeni pikseli ukazuju na lopticu</a:t>
+              <a:t>- </a:t>
+            </a:r>
+            <a:r>
+              <a:rPr lang="sr-Latn-RS" dirty="0" smtClean="0"/>
+              <a:t>Ako je pozadina bila statička, </a:t>
+            </a:r>
+            <a:r>
+              <a:rPr lang="sr-Latn-RS" dirty="0" smtClean="0"/>
+              <a:t>promenjeni </a:t>
+            </a:r>
+            <a:r>
+              <a:rPr lang="sr-Latn-RS" dirty="0" smtClean="0"/>
+              <a:t>pikseli ukazuju na lopticu</a:t>
             </a:r>
           </a:p>
           <a:p>
@@ -6877,32 +7746,15 @@
           <a:p>
             <a:r>
               <a:rPr lang="sr-Latn-RS" dirty="0" smtClean="0"/>
-              <a:t>- Izdvajanje „kandidata za lopticu“ – pravljenje hipoteza</a:t>
+              <a:t> - </a:t>
+            </a:r>
+            <a:r>
+              <a:rPr lang="sr-Latn-RS" dirty="0" smtClean="0"/>
+              <a:t>Izdvajanje „kandidata za lopticu“ – pravljenje hipoteza</a:t>
             </a:r>
           </a:p>
           <a:p>
             <a:endParaRPr lang="sr-Latn-RS" dirty="0" smtClean="0"/>
-          </a:p>
-          <a:p>
-            <a:r>
-              <a:rPr lang="sr-Latn-RS" dirty="0"/>
-              <a:t>- </a:t>
-            </a:r>
-            <a:r>
-              <a:rPr lang="sr-Latn-RS" b="1" dirty="0"/>
-              <a:t>Color segmentation </a:t>
-            </a:r>
-            <a:endParaRPr lang="sr-Latn-RS" dirty="0"/>
-          </a:p>
-          <a:p>
-            <a:r>
-              <a:rPr lang="sr-Latn-RS" dirty="0"/>
-              <a:t> - U najjednostavnijem slučaju – thresholding, izdvajanje bijele loptice na zelenoj </a:t>
-            </a:r>
-            <a:r>
-              <a:rPr lang="sr-Latn-RS" dirty="0" smtClean="0"/>
-              <a:t>travi</a:t>
-            </a:r>
           </a:p>
           <a:p>
             <a:endParaRPr lang="sr-Latn-RS" dirty="0"/>
